--- a/Meetings/打ち合わせ_20210806.pptx
+++ b/Meetings/打ち合わせ_20210806.pptx
@@ -5,8 +5,9 @@
     <p:sldMasterId id="2147483648" r:id="rId1"/>
   </p:sldMasterIdLst>
   <p:sldIdLst>
-    <p:sldId id="256" r:id="rId2"/>
-    <p:sldId id="257" r:id="rId3"/>
+    <p:sldId id="258" r:id="rId2"/>
+    <p:sldId id="256" r:id="rId3"/>
+    <p:sldId id="257" r:id="rId4"/>
   </p:sldIdLst>
   <p:sldSz cx="12192000" cy="6858000"/>
   <p:notesSz cx="6858000" cy="9144000"/>
@@ -105,7 +106,24 @@
       </a:defRPr>
     </a:lvl9pPr>
   </p:defaultTextStyle>
+  <p:extLst>
+    <p:ext uri="{EFAFB233-063F-42B5-8137-9DF3F51BA10A}">
+      <p15:sldGuideLst xmlns:p15="http://schemas.microsoft.com/office/powerpoint/2012/main"/>
+    </p:ext>
+  </p:extLst>
 </p:presentation>
+</file>
+
+<file path=ppt/commentAuthors.xml><?xml version="1.0" encoding="utf-8"?>
+<p:cmAuthorLst xmlns:a="http://schemas.openxmlformats.org/drawingml/2006/main" xmlns:r="http://schemas.openxmlformats.org/officeDocument/2006/relationships" xmlns:p="http://schemas.openxmlformats.org/presentationml/2006/main">
+  <p:cmAuthor id="1" name="貴文 鈴木" initials="貴文" lastIdx="1" clrIdx="0">
+    <p:extLst>
+      <p:ext uri="{19B8F6BF-5375-455C-9EA6-DF929625EA0E}">
+        <p15:presenceInfo xmlns:p15="http://schemas.microsoft.com/office/powerpoint/2012/main" userId="7a66a47323f46c1b" providerId="Windows Live"/>
+      </p:ext>
+    </p:extLst>
+  </p:cmAuthor>
+</p:cmAuthorLst>
 </file>
 
 <file path=ppt/slideLayouts/slideLayout1.xml><?xml version="1.0" encoding="utf-8"?>
@@ -255,7 +273,7 @@
           <a:p>
             <a:fld id="{DA87E7AA-A21C-7B47-87DD-624D9A8E323F}" type="datetimeFigureOut">
               <a:rPr kumimoji="1" lang="ja-JP" altLang="en-US" smtClean="0"/>
-              <a:t>2021/8/6</a:t>
+              <a:t>2021/8/9</a:t>
             </a:fld>
             <a:endParaRPr kumimoji="1" lang="ja-JP" altLang="en-US"/>
           </a:p>
@@ -485,7 +503,7 @@
           <a:p>
             <a:fld id="{DA87E7AA-A21C-7B47-87DD-624D9A8E323F}" type="datetimeFigureOut">
               <a:rPr kumimoji="1" lang="ja-JP" altLang="en-US" smtClean="0"/>
-              <a:t>2021/8/6</a:t>
+              <a:t>2021/8/9</a:t>
             </a:fld>
             <a:endParaRPr kumimoji="1" lang="ja-JP" altLang="en-US"/>
           </a:p>
@@ -725,7 +743,7 @@
           <a:p>
             <a:fld id="{DA87E7AA-A21C-7B47-87DD-624D9A8E323F}" type="datetimeFigureOut">
               <a:rPr kumimoji="1" lang="ja-JP" altLang="en-US" smtClean="0"/>
-              <a:t>2021/8/6</a:t>
+              <a:t>2021/8/9</a:t>
             </a:fld>
             <a:endParaRPr kumimoji="1" lang="ja-JP" altLang="en-US"/>
           </a:p>
@@ -955,7 +973,7 @@
           <a:p>
             <a:fld id="{DA87E7AA-A21C-7B47-87DD-624D9A8E323F}" type="datetimeFigureOut">
               <a:rPr kumimoji="1" lang="ja-JP" altLang="en-US" smtClean="0"/>
-              <a:t>2021/8/6</a:t>
+              <a:t>2021/8/9</a:t>
             </a:fld>
             <a:endParaRPr kumimoji="1" lang="ja-JP" altLang="en-US"/>
           </a:p>
@@ -1230,7 +1248,7 @@
           <a:p>
             <a:fld id="{DA87E7AA-A21C-7B47-87DD-624D9A8E323F}" type="datetimeFigureOut">
               <a:rPr kumimoji="1" lang="ja-JP" altLang="en-US" smtClean="0"/>
-              <a:t>2021/8/6</a:t>
+              <a:t>2021/8/9</a:t>
             </a:fld>
             <a:endParaRPr kumimoji="1" lang="ja-JP" altLang="en-US"/>
           </a:p>
@@ -1559,7 +1577,7 @@
           <a:p>
             <a:fld id="{DA87E7AA-A21C-7B47-87DD-624D9A8E323F}" type="datetimeFigureOut">
               <a:rPr kumimoji="1" lang="ja-JP" altLang="en-US" smtClean="0"/>
-              <a:t>2021/8/6</a:t>
+              <a:t>2021/8/9</a:t>
             </a:fld>
             <a:endParaRPr kumimoji="1" lang="ja-JP" altLang="en-US"/>
           </a:p>
@@ -2035,7 +2053,7 @@
           <a:p>
             <a:fld id="{DA87E7AA-A21C-7B47-87DD-624D9A8E323F}" type="datetimeFigureOut">
               <a:rPr kumimoji="1" lang="ja-JP" altLang="en-US" smtClean="0"/>
-              <a:t>2021/8/6</a:t>
+              <a:t>2021/8/9</a:t>
             </a:fld>
             <a:endParaRPr kumimoji="1" lang="ja-JP" altLang="en-US"/>
           </a:p>
@@ -2176,7 +2194,7 @@
           <a:p>
             <a:fld id="{DA87E7AA-A21C-7B47-87DD-624D9A8E323F}" type="datetimeFigureOut">
               <a:rPr kumimoji="1" lang="ja-JP" altLang="en-US" smtClean="0"/>
-              <a:t>2021/8/6</a:t>
+              <a:t>2021/8/9</a:t>
             </a:fld>
             <a:endParaRPr kumimoji="1" lang="ja-JP" altLang="en-US"/>
           </a:p>
@@ -2289,7 +2307,7 @@
           <a:p>
             <a:fld id="{DA87E7AA-A21C-7B47-87DD-624D9A8E323F}" type="datetimeFigureOut">
               <a:rPr kumimoji="1" lang="ja-JP" altLang="en-US" smtClean="0"/>
-              <a:t>2021/8/6</a:t>
+              <a:t>2021/8/9</a:t>
             </a:fld>
             <a:endParaRPr kumimoji="1" lang="ja-JP" altLang="en-US"/>
           </a:p>
@@ -2632,7 +2650,7 @@
           <a:p>
             <a:fld id="{DA87E7AA-A21C-7B47-87DD-624D9A8E323F}" type="datetimeFigureOut">
               <a:rPr kumimoji="1" lang="ja-JP" altLang="en-US" smtClean="0"/>
-              <a:t>2021/8/6</a:t>
+              <a:t>2021/8/9</a:t>
             </a:fld>
             <a:endParaRPr kumimoji="1" lang="ja-JP" altLang="en-US"/>
           </a:p>
@@ -2920,7 +2938,7 @@
           <a:p>
             <a:fld id="{DA87E7AA-A21C-7B47-87DD-624D9A8E323F}" type="datetimeFigureOut">
               <a:rPr kumimoji="1" lang="ja-JP" altLang="en-US" smtClean="0"/>
-              <a:t>2021/8/6</a:t>
+              <a:t>2021/8/9</a:t>
             </a:fld>
             <a:endParaRPr kumimoji="1" lang="ja-JP" altLang="en-US"/>
           </a:p>
@@ -3193,7 +3211,7 @@
           <a:p>
             <a:fld id="{DA87E7AA-A21C-7B47-87DD-624D9A8E323F}" type="datetimeFigureOut">
               <a:rPr kumimoji="1" lang="ja-JP" altLang="en-US" smtClean="0"/>
-              <a:t>2021/8/6</a:t>
+              <a:t>2021/8/9</a:t>
             </a:fld>
             <a:endParaRPr kumimoji="1" lang="ja-JP" altLang="en-US"/>
           </a:p>
@@ -3612,6 +3630,2867 @@
       </p:grpSpPr>
       <p:sp>
         <p:nvSpPr>
+          <p:cNvPr id="2" name="正方形/長方形 1">
+            <a:extLst>
+              <a:ext uri="{FF2B5EF4-FFF2-40B4-BE49-F238E27FC236}">
+                <a16:creationId xmlns:a16="http://schemas.microsoft.com/office/drawing/2014/main" id="{ED2CC1FE-D136-634B-A062-3B2E1CFB4DF3}"/>
+              </a:ext>
+            </a:extLst>
+          </p:cNvPr>
+          <p:cNvSpPr/>
+          <p:nvPr/>
+        </p:nvSpPr>
+        <p:spPr>
+          <a:xfrm>
+            <a:off x="333439" y="971812"/>
+            <a:ext cx="1945531" cy="1629418"/>
+          </a:xfrm>
+          <a:prstGeom prst="rect">
+            <a:avLst/>
+          </a:prstGeom>
+          <a:noFill/>
+          <a:ln>
+            <a:solidFill>
+              <a:schemeClr val="bg1">
+                <a:lumMod val="75000"/>
+              </a:schemeClr>
+            </a:solidFill>
+          </a:ln>
+        </p:spPr>
+        <p:style>
+          <a:lnRef idx="2">
+            <a:schemeClr val="accent1">
+              <a:shade val="50000"/>
+            </a:schemeClr>
+          </a:lnRef>
+          <a:fillRef idx="1">
+            <a:schemeClr val="accent1"/>
+          </a:fillRef>
+          <a:effectRef idx="0">
+            <a:schemeClr val="accent1"/>
+          </a:effectRef>
+          <a:fontRef idx="minor">
+            <a:schemeClr val="lt1"/>
+          </a:fontRef>
+        </p:style>
+        <p:txBody>
+          <a:bodyPr rtlCol="0" anchor="ctr"/>
+          <a:lstStyle/>
+          <a:p>
+            <a:pPr algn="ctr"/>
+            <a:endParaRPr kumimoji="1" lang="ja-JP" altLang="en-US" sz="1200"/>
+          </a:p>
+        </p:txBody>
+      </p:sp>
+      <p:sp>
+        <p:nvSpPr>
+          <p:cNvPr id="3" name="テキスト ボックス 2">
+            <a:extLst>
+              <a:ext uri="{FF2B5EF4-FFF2-40B4-BE49-F238E27FC236}">
+                <a16:creationId xmlns:a16="http://schemas.microsoft.com/office/drawing/2014/main" id="{214D5BF1-48F2-F444-96D7-3E2ACB7C77D2}"/>
+              </a:ext>
+            </a:extLst>
+          </p:cNvPr>
+          <p:cNvSpPr txBox="1"/>
+          <p:nvPr/>
+        </p:nvSpPr>
+        <p:spPr>
+          <a:xfrm>
+            <a:off x="639862" y="835846"/>
+            <a:ext cx="1338828" cy="369332"/>
+          </a:xfrm>
+          <a:prstGeom prst="rect">
+            <a:avLst/>
+          </a:prstGeom>
+          <a:solidFill>
+            <a:schemeClr val="bg1"/>
+          </a:solidFill>
+        </p:spPr>
+        <p:txBody>
+          <a:bodyPr wrap="none" rtlCol="0">
+            <a:spAutoFit/>
+          </a:bodyPr>
+          <a:lstStyle/>
+          <a:p>
+            <a:r>
+              <a:rPr kumimoji="1" lang="ja-JP" altLang="en-US"/>
+              <a:t>お題を登録</a:t>
+            </a:r>
+          </a:p>
+        </p:txBody>
+      </p:sp>
+      <p:sp>
+        <p:nvSpPr>
+          <p:cNvPr id="4" name="正方形/長方形 3">
+            <a:extLst>
+              <a:ext uri="{FF2B5EF4-FFF2-40B4-BE49-F238E27FC236}">
+                <a16:creationId xmlns:a16="http://schemas.microsoft.com/office/drawing/2014/main" id="{1CCDD547-BA7F-2C40-8475-D99885FCFAE2}"/>
+              </a:ext>
+            </a:extLst>
+          </p:cNvPr>
+          <p:cNvSpPr/>
+          <p:nvPr/>
+        </p:nvSpPr>
+        <p:spPr>
+          <a:xfrm>
+            <a:off x="593430" y="1176199"/>
+            <a:ext cx="1408546" cy="415636"/>
+          </a:xfrm>
+          <a:prstGeom prst="rect">
+            <a:avLst/>
+          </a:prstGeom>
+          <a:solidFill>
+            <a:srgbClr val="FFC000"/>
+          </a:solidFill>
+        </p:spPr>
+        <p:style>
+          <a:lnRef idx="2">
+            <a:schemeClr val="accent1">
+              <a:shade val="50000"/>
+            </a:schemeClr>
+          </a:lnRef>
+          <a:fillRef idx="1">
+            <a:schemeClr val="accent1"/>
+          </a:fillRef>
+          <a:effectRef idx="0">
+            <a:schemeClr val="accent1"/>
+          </a:effectRef>
+          <a:fontRef idx="minor">
+            <a:schemeClr val="lt1"/>
+          </a:fontRef>
+        </p:style>
+        <p:txBody>
+          <a:bodyPr rtlCol="0" anchor="ctr"/>
+          <a:lstStyle/>
+          <a:p>
+            <a:pPr algn="ctr"/>
+            <a:r>
+              <a:rPr kumimoji="1" lang="ja-JP" altLang="en-US" sz="1200"/>
+              <a:t>デフォルトで</a:t>
+            </a:r>
+            <a:endParaRPr kumimoji="1" lang="en-US" altLang="ja-JP" sz="1200" dirty="0"/>
+          </a:p>
+          <a:p>
+            <a:pPr algn="ctr"/>
+            <a:r>
+              <a:rPr kumimoji="1" lang="ja-JP" altLang="en-US" sz="1200"/>
+              <a:t>お題を登録</a:t>
+            </a:r>
+          </a:p>
+        </p:txBody>
+      </p:sp>
+      <p:sp>
+        <p:nvSpPr>
+          <p:cNvPr id="5" name="正方形/長方形 4">
+            <a:extLst>
+              <a:ext uri="{FF2B5EF4-FFF2-40B4-BE49-F238E27FC236}">
+                <a16:creationId xmlns:a16="http://schemas.microsoft.com/office/drawing/2014/main" id="{D679127C-9FE1-D946-B4FB-981B27F97E20}"/>
+              </a:ext>
+            </a:extLst>
+          </p:cNvPr>
+          <p:cNvSpPr/>
+          <p:nvPr/>
+        </p:nvSpPr>
+        <p:spPr>
+          <a:xfrm>
+            <a:off x="591266" y="1643531"/>
+            <a:ext cx="1408546" cy="415636"/>
+          </a:xfrm>
+          <a:prstGeom prst="rect">
+            <a:avLst/>
+          </a:prstGeom>
+          <a:solidFill>
+            <a:srgbClr val="FFC000"/>
+          </a:solidFill>
+        </p:spPr>
+        <p:style>
+          <a:lnRef idx="2">
+            <a:schemeClr val="accent1">
+              <a:shade val="50000"/>
+            </a:schemeClr>
+          </a:lnRef>
+          <a:fillRef idx="1">
+            <a:schemeClr val="accent1"/>
+          </a:fillRef>
+          <a:effectRef idx="0">
+            <a:schemeClr val="accent1"/>
+          </a:effectRef>
+          <a:fontRef idx="minor">
+            <a:schemeClr val="lt1"/>
+          </a:fontRef>
+        </p:style>
+        <p:txBody>
+          <a:bodyPr rtlCol="0" anchor="ctr"/>
+          <a:lstStyle/>
+          <a:p>
+            <a:pPr algn="ctr"/>
+            <a:r>
+              <a:rPr kumimoji="1" lang="ja-JP" altLang="en-US" sz="1200"/>
+              <a:t>お題を追加</a:t>
+            </a:r>
+            <a:endParaRPr kumimoji="1" lang="en-US" altLang="ja-JP" sz="1200" dirty="0"/>
+          </a:p>
+        </p:txBody>
+      </p:sp>
+      <p:sp>
+        <p:nvSpPr>
+          <p:cNvPr id="6" name="正方形/長方形 5">
+            <a:extLst>
+              <a:ext uri="{FF2B5EF4-FFF2-40B4-BE49-F238E27FC236}">
+                <a16:creationId xmlns:a16="http://schemas.microsoft.com/office/drawing/2014/main" id="{7D3C1246-435D-394E-BA6B-5F9CF588CEBB}"/>
+              </a:ext>
+            </a:extLst>
+          </p:cNvPr>
+          <p:cNvSpPr/>
+          <p:nvPr/>
+        </p:nvSpPr>
+        <p:spPr>
+          <a:xfrm>
+            <a:off x="205629" y="539917"/>
+            <a:ext cx="4407980" cy="2207228"/>
+          </a:xfrm>
+          <a:prstGeom prst="rect">
+            <a:avLst/>
+          </a:prstGeom>
+          <a:noFill/>
+          <a:ln>
+            <a:solidFill>
+              <a:schemeClr val="bg1">
+                <a:lumMod val="75000"/>
+              </a:schemeClr>
+            </a:solidFill>
+          </a:ln>
+        </p:spPr>
+        <p:style>
+          <a:lnRef idx="2">
+            <a:schemeClr val="accent1">
+              <a:shade val="50000"/>
+            </a:schemeClr>
+          </a:lnRef>
+          <a:fillRef idx="1">
+            <a:schemeClr val="accent1"/>
+          </a:fillRef>
+          <a:effectRef idx="0">
+            <a:schemeClr val="accent1"/>
+          </a:effectRef>
+          <a:fontRef idx="minor">
+            <a:schemeClr val="lt1"/>
+          </a:fontRef>
+        </p:style>
+        <p:txBody>
+          <a:bodyPr rtlCol="0" anchor="ctr"/>
+          <a:lstStyle/>
+          <a:p>
+            <a:pPr algn="ctr"/>
+            <a:endParaRPr kumimoji="1" lang="ja-JP" altLang="en-US" sz="1200"/>
+          </a:p>
+        </p:txBody>
+      </p:sp>
+      <p:sp>
+        <p:nvSpPr>
+          <p:cNvPr id="7" name="正方形/長方形 6">
+            <a:extLst>
+              <a:ext uri="{FF2B5EF4-FFF2-40B4-BE49-F238E27FC236}">
+                <a16:creationId xmlns:a16="http://schemas.microsoft.com/office/drawing/2014/main" id="{43DF6EA1-1587-574F-95E4-DDDA76362D4A}"/>
+              </a:ext>
+            </a:extLst>
+          </p:cNvPr>
+          <p:cNvSpPr/>
+          <p:nvPr/>
+        </p:nvSpPr>
+        <p:spPr>
+          <a:xfrm>
+            <a:off x="2750108" y="1323743"/>
+            <a:ext cx="1408546" cy="415636"/>
+          </a:xfrm>
+          <a:prstGeom prst="rect">
+            <a:avLst/>
+          </a:prstGeom>
+          <a:solidFill>
+            <a:srgbClr val="FFC000"/>
+          </a:solidFill>
+        </p:spPr>
+        <p:style>
+          <a:lnRef idx="2">
+            <a:schemeClr val="accent1">
+              <a:shade val="50000"/>
+            </a:schemeClr>
+          </a:lnRef>
+          <a:fillRef idx="1">
+            <a:schemeClr val="accent1"/>
+          </a:fillRef>
+          <a:effectRef idx="0">
+            <a:schemeClr val="accent1"/>
+          </a:effectRef>
+          <a:fontRef idx="minor">
+            <a:schemeClr val="lt1"/>
+          </a:fontRef>
+        </p:style>
+        <p:txBody>
+          <a:bodyPr rtlCol="0" anchor="ctr"/>
+          <a:lstStyle/>
+          <a:p>
+            <a:pPr algn="ctr"/>
+            <a:r>
+              <a:rPr kumimoji="1" lang="ja-JP" altLang="en-US" sz="1200"/>
+              <a:t>お題を</a:t>
+            </a:r>
+            <a:endParaRPr kumimoji="1" lang="en-US" altLang="ja-JP" sz="1200" dirty="0"/>
+          </a:p>
+          <a:p>
+            <a:pPr algn="ctr"/>
+            <a:r>
+              <a:rPr lang="ja-JP" altLang="en-US" sz="1200"/>
+              <a:t>ランダム選定</a:t>
+            </a:r>
+            <a:endParaRPr kumimoji="1" lang="en-US" altLang="ja-JP" sz="1200" dirty="0"/>
+          </a:p>
+        </p:txBody>
+      </p:sp>
+      <p:sp>
+        <p:nvSpPr>
+          <p:cNvPr id="8" name="正方形/長方形 7">
+            <a:extLst>
+              <a:ext uri="{FF2B5EF4-FFF2-40B4-BE49-F238E27FC236}">
+                <a16:creationId xmlns:a16="http://schemas.microsoft.com/office/drawing/2014/main" id="{E7EEFCD5-6331-EE4E-87BC-4025637CA002}"/>
+              </a:ext>
+            </a:extLst>
+          </p:cNvPr>
+          <p:cNvSpPr/>
+          <p:nvPr/>
+        </p:nvSpPr>
+        <p:spPr>
+          <a:xfrm>
+            <a:off x="2481616" y="971812"/>
+            <a:ext cx="1945531" cy="1629418"/>
+          </a:xfrm>
+          <a:prstGeom prst="rect">
+            <a:avLst/>
+          </a:prstGeom>
+          <a:noFill/>
+          <a:ln>
+            <a:solidFill>
+              <a:schemeClr val="bg1">
+                <a:lumMod val="75000"/>
+              </a:schemeClr>
+            </a:solidFill>
+          </a:ln>
+        </p:spPr>
+        <p:style>
+          <a:lnRef idx="2">
+            <a:schemeClr val="accent1">
+              <a:shade val="50000"/>
+            </a:schemeClr>
+          </a:lnRef>
+          <a:fillRef idx="1">
+            <a:schemeClr val="accent1"/>
+          </a:fillRef>
+          <a:effectRef idx="0">
+            <a:schemeClr val="accent1"/>
+          </a:effectRef>
+          <a:fontRef idx="minor">
+            <a:schemeClr val="lt1"/>
+          </a:fontRef>
+        </p:style>
+        <p:txBody>
+          <a:bodyPr rtlCol="0" anchor="ctr"/>
+          <a:lstStyle/>
+          <a:p>
+            <a:pPr algn="ctr"/>
+            <a:endParaRPr kumimoji="1" lang="ja-JP" altLang="en-US" sz="1200"/>
+          </a:p>
+        </p:txBody>
+      </p:sp>
+      <p:sp>
+        <p:nvSpPr>
+          <p:cNvPr id="9" name="テキスト ボックス 8">
+            <a:extLst>
+              <a:ext uri="{FF2B5EF4-FFF2-40B4-BE49-F238E27FC236}">
+                <a16:creationId xmlns:a16="http://schemas.microsoft.com/office/drawing/2014/main" id="{4D4ABB8C-514E-0B44-8FCF-874A4BC9E913}"/>
+              </a:ext>
+            </a:extLst>
+          </p:cNvPr>
+          <p:cNvSpPr txBox="1"/>
+          <p:nvPr/>
+        </p:nvSpPr>
+        <p:spPr>
+          <a:xfrm>
+            <a:off x="2930882" y="836627"/>
+            <a:ext cx="1107996" cy="369332"/>
+          </a:xfrm>
+          <a:prstGeom prst="rect">
+            <a:avLst/>
+          </a:prstGeom>
+          <a:solidFill>
+            <a:schemeClr val="bg1"/>
+          </a:solidFill>
+        </p:spPr>
+        <p:txBody>
+          <a:bodyPr wrap="none" rtlCol="0">
+            <a:spAutoFit/>
+          </a:bodyPr>
+          <a:lstStyle/>
+          <a:p>
+            <a:r>
+              <a:rPr kumimoji="1" lang="ja-JP" altLang="en-US"/>
+              <a:t>お題選定</a:t>
+            </a:r>
+          </a:p>
+        </p:txBody>
+      </p:sp>
+      <p:cxnSp>
+        <p:nvCxnSpPr>
+          <p:cNvPr id="10" name="直線矢印コネクタ 9">
+            <a:extLst>
+              <a:ext uri="{FF2B5EF4-FFF2-40B4-BE49-F238E27FC236}">
+                <a16:creationId xmlns:a16="http://schemas.microsoft.com/office/drawing/2014/main" id="{1E3A8410-AC60-9F40-A243-0488028471FE}"/>
+              </a:ext>
+            </a:extLst>
+          </p:cNvPr>
+          <p:cNvCxnSpPr>
+            <a:cxnSpLocks/>
+            <a:stCxn id="2" idx="3"/>
+            <a:endCxn id="8" idx="1"/>
+          </p:cNvCxnSpPr>
+          <p:nvPr/>
+        </p:nvCxnSpPr>
+        <p:spPr>
+          <a:xfrm>
+            <a:off x="2278970" y="1786521"/>
+            <a:ext cx="202646" cy="0"/>
+          </a:xfrm>
+          <a:prstGeom prst="straightConnector1">
+            <a:avLst/>
+          </a:prstGeom>
+          <a:ln w="28575">
+            <a:tailEnd type="triangle"/>
+          </a:ln>
+        </p:spPr>
+        <p:style>
+          <a:lnRef idx="1">
+            <a:schemeClr val="accent1"/>
+          </a:lnRef>
+          <a:fillRef idx="0">
+            <a:schemeClr val="accent1"/>
+          </a:fillRef>
+          <a:effectRef idx="0">
+            <a:schemeClr val="accent1"/>
+          </a:effectRef>
+          <a:fontRef idx="minor">
+            <a:schemeClr val="tx1"/>
+          </a:fontRef>
+        </p:style>
+      </p:cxnSp>
+      <p:sp>
+        <p:nvSpPr>
+          <p:cNvPr id="11" name="テキスト ボックス 10">
+            <a:extLst>
+              <a:ext uri="{FF2B5EF4-FFF2-40B4-BE49-F238E27FC236}">
+                <a16:creationId xmlns:a16="http://schemas.microsoft.com/office/drawing/2014/main" id="{6EAA5024-B2FE-584F-A139-58ECB85FBEC1}"/>
+              </a:ext>
+            </a:extLst>
+          </p:cNvPr>
+          <p:cNvSpPr txBox="1"/>
+          <p:nvPr/>
+        </p:nvSpPr>
+        <p:spPr>
+          <a:xfrm>
+            <a:off x="1674755" y="365199"/>
+            <a:ext cx="1569660" cy="369332"/>
+          </a:xfrm>
+          <a:prstGeom prst="rect">
+            <a:avLst/>
+          </a:prstGeom>
+          <a:solidFill>
+            <a:schemeClr val="bg1"/>
+          </a:solidFill>
+        </p:spPr>
+        <p:txBody>
+          <a:bodyPr wrap="none" rtlCol="0">
+            <a:spAutoFit/>
+          </a:bodyPr>
+          <a:lstStyle/>
+          <a:p>
+            <a:r>
+              <a:rPr kumimoji="1" lang="ja-JP" altLang="en-US"/>
+              <a:t>お題管理機能</a:t>
+            </a:r>
+          </a:p>
+        </p:txBody>
+      </p:sp>
+      <p:sp>
+        <p:nvSpPr>
+          <p:cNvPr id="12" name="正方形/長方形 11">
+            <a:extLst>
+              <a:ext uri="{FF2B5EF4-FFF2-40B4-BE49-F238E27FC236}">
+                <a16:creationId xmlns:a16="http://schemas.microsoft.com/office/drawing/2014/main" id="{76703CA1-E9FE-E24B-8D59-F33F99999C6F}"/>
+              </a:ext>
+            </a:extLst>
+          </p:cNvPr>
+          <p:cNvSpPr/>
+          <p:nvPr/>
+        </p:nvSpPr>
+        <p:spPr>
+          <a:xfrm>
+            <a:off x="601931" y="2122380"/>
+            <a:ext cx="1408546" cy="415636"/>
+          </a:xfrm>
+          <a:prstGeom prst="rect">
+            <a:avLst/>
+          </a:prstGeom>
+          <a:solidFill>
+            <a:srgbClr val="FFC000"/>
+          </a:solidFill>
+        </p:spPr>
+        <p:style>
+          <a:lnRef idx="2">
+            <a:schemeClr val="accent1">
+              <a:shade val="50000"/>
+            </a:schemeClr>
+          </a:lnRef>
+          <a:fillRef idx="1">
+            <a:schemeClr val="accent1"/>
+          </a:fillRef>
+          <a:effectRef idx="0">
+            <a:schemeClr val="accent1"/>
+          </a:effectRef>
+          <a:fontRef idx="minor">
+            <a:schemeClr val="lt1"/>
+          </a:fontRef>
+        </p:style>
+        <p:txBody>
+          <a:bodyPr rtlCol="0" anchor="ctr"/>
+          <a:lstStyle/>
+          <a:p>
+            <a:pPr algn="ctr"/>
+            <a:r>
+              <a:rPr kumimoji="1" lang="ja-JP" altLang="en-US" sz="1200"/>
+              <a:t>お題を削除</a:t>
+            </a:r>
+            <a:endParaRPr kumimoji="1" lang="en-US" altLang="ja-JP" sz="1200" dirty="0"/>
+          </a:p>
+        </p:txBody>
+      </p:sp>
+      <p:sp>
+        <p:nvSpPr>
+          <p:cNvPr id="13" name="正方形/長方形 12">
+            <a:extLst>
+              <a:ext uri="{FF2B5EF4-FFF2-40B4-BE49-F238E27FC236}">
+                <a16:creationId xmlns:a16="http://schemas.microsoft.com/office/drawing/2014/main" id="{7602BA2D-B4DC-D240-B38D-92AEC719510B}"/>
+              </a:ext>
+            </a:extLst>
+          </p:cNvPr>
+          <p:cNvSpPr/>
+          <p:nvPr/>
+        </p:nvSpPr>
+        <p:spPr>
+          <a:xfrm>
+            <a:off x="2750108" y="1865393"/>
+            <a:ext cx="1408546" cy="415636"/>
+          </a:xfrm>
+          <a:prstGeom prst="rect">
+            <a:avLst/>
+          </a:prstGeom>
+          <a:solidFill>
+            <a:srgbClr val="FFC000"/>
+          </a:solidFill>
+        </p:spPr>
+        <p:style>
+          <a:lnRef idx="2">
+            <a:schemeClr val="accent1">
+              <a:shade val="50000"/>
+            </a:schemeClr>
+          </a:lnRef>
+          <a:fillRef idx="1">
+            <a:schemeClr val="accent1"/>
+          </a:fillRef>
+          <a:effectRef idx="0">
+            <a:schemeClr val="accent1"/>
+          </a:effectRef>
+          <a:fontRef idx="minor">
+            <a:schemeClr val="lt1"/>
+          </a:fontRef>
+        </p:style>
+        <p:txBody>
+          <a:bodyPr rtlCol="0" anchor="ctr"/>
+          <a:lstStyle/>
+          <a:p>
+            <a:pPr algn="ctr"/>
+            <a:r>
+              <a:rPr kumimoji="1" lang="ja-JP" altLang="en-US" sz="1200"/>
+              <a:t>お題を</a:t>
+            </a:r>
+            <a:endParaRPr kumimoji="1" lang="en-US" altLang="ja-JP" sz="1200" dirty="0"/>
+          </a:p>
+          <a:p>
+            <a:pPr algn="ctr"/>
+            <a:r>
+              <a:rPr lang="ja-JP" altLang="en-US" sz="1200"/>
+              <a:t>個別指定</a:t>
+            </a:r>
+            <a:endParaRPr kumimoji="1" lang="en-US" altLang="ja-JP" sz="1200" dirty="0"/>
+          </a:p>
+        </p:txBody>
+      </p:sp>
+      <p:sp>
+        <p:nvSpPr>
+          <p:cNvPr id="14" name="正方形/長方形 13">
+            <a:extLst>
+              <a:ext uri="{FF2B5EF4-FFF2-40B4-BE49-F238E27FC236}">
+                <a16:creationId xmlns:a16="http://schemas.microsoft.com/office/drawing/2014/main" id="{D3EB5A54-9DC7-0242-ABCE-47ECA2FD9E1D}"/>
+              </a:ext>
+            </a:extLst>
+          </p:cNvPr>
+          <p:cNvSpPr/>
+          <p:nvPr/>
+        </p:nvSpPr>
+        <p:spPr>
+          <a:xfrm>
+            <a:off x="4738177" y="556177"/>
+            <a:ext cx="2416126" cy="5718500"/>
+          </a:xfrm>
+          <a:prstGeom prst="rect">
+            <a:avLst/>
+          </a:prstGeom>
+          <a:noFill/>
+          <a:ln>
+            <a:solidFill>
+              <a:schemeClr val="bg1">
+                <a:lumMod val="75000"/>
+              </a:schemeClr>
+            </a:solidFill>
+          </a:ln>
+        </p:spPr>
+        <p:style>
+          <a:lnRef idx="2">
+            <a:schemeClr val="accent1">
+              <a:shade val="50000"/>
+            </a:schemeClr>
+          </a:lnRef>
+          <a:fillRef idx="1">
+            <a:schemeClr val="accent1"/>
+          </a:fillRef>
+          <a:effectRef idx="0">
+            <a:schemeClr val="accent1"/>
+          </a:effectRef>
+          <a:fontRef idx="minor">
+            <a:schemeClr val="lt1"/>
+          </a:fontRef>
+        </p:style>
+        <p:txBody>
+          <a:bodyPr rtlCol="0" anchor="ctr"/>
+          <a:lstStyle/>
+          <a:p>
+            <a:pPr algn="ctr"/>
+            <a:endParaRPr kumimoji="1" lang="ja-JP" altLang="en-US" sz="1200"/>
+          </a:p>
+        </p:txBody>
+      </p:sp>
+      <p:sp>
+        <p:nvSpPr>
+          <p:cNvPr id="15" name="テキスト ボックス 14">
+            <a:extLst>
+              <a:ext uri="{FF2B5EF4-FFF2-40B4-BE49-F238E27FC236}">
+                <a16:creationId xmlns:a16="http://schemas.microsoft.com/office/drawing/2014/main" id="{9B467E89-16EA-5844-9197-DAAD361C71E7}"/>
+              </a:ext>
+            </a:extLst>
+          </p:cNvPr>
+          <p:cNvSpPr txBox="1"/>
+          <p:nvPr/>
+        </p:nvSpPr>
+        <p:spPr>
+          <a:xfrm>
+            <a:off x="5503365" y="365199"/>
+            <a:ext cx="892233" cy="369332"/>
+          </a:xfrm>
+          <a:prstGeom prst="rect">
+            <a:avLst/>
+          </a:prstGeom>
+          <a:solidFill>
+            <a:schemeClr val="bg1"/>
+          </a:solidFill>
+        </p:spPr>
+        <p:txBody>
+          <a:bodyPr wrap="square" rtlCol="0">
+            <a:spAutoFit/>
+          </a:bodyPr>
+          <a:lstStyle/>
+          <a:p>
+            <a:pPr algn="ctr"/>
+            <a:r>
+              <a:rPr lang="ja-JP" altLang="en-US"/>
+              <a:t>出力</a:t>
+            </a:r>
+            <a:r>
+              <a:rPr kumimoji="1" lang="ja-JP" altLang="en-US"/>
+              <a:t>部</a:t>
+            </a:r>
+          </a:p>
+        </p:txBody>
+      </p:sp>
+      <p:sp>
+        <p:nvSpPr>
+          <p:cNvPr id="16" name="正方形/長方形 15">
+            <a:extLst>
+              <a:ext uri="{FF2B5EF4-FFF2-40B4-BE49-F238E27FC236}">
+                <a16:creationId xmlns:a16="http://schemas.microsoft.com/office/drawing/2014/main" id="{4A55F657-65C9-8E41-9190-D69F048CDDE8}"/>
+              </a:ext>
+            </a:extLst>
+          </p:cNvPr>
+          <p:cNvSpPr/>
+          <p:nvPr/>
+        </p:nvSpPr>
+        <p:spPr>
+          <a:xfrm>
+            <a:off x="5079058" y="971812"/>
+            <a:ext cx="1734364" cy="1440312"/>
+          </a:xfrm>
+          <a:prstGeom prst="rect">
+            <a:avLst/>
+          </a:prstGeom>
+          <a:noFill/>
+          <a:ln>
+            <a:solidFill>
+              <a:schemeClr val="bg1">
+                <a:lumMod val="75000"/>
+              </a:schemeClr>
+            </a:solidFill>
+          </a:ln>
+        </p:spPr>
+        <p:style>
+          <a:lnRef idx="2">
+            <a:schemeClr val="accent1">
+              <a:shade val="50000"/>
+            </a:schemeClr>
+          </a:lnRef>
+          <a:fillRef idx="1">
+            <a:schemeClr val="accent1"/>
+          </a:fillRef>
+          <a:effectRef idx="0">
+            <a:schemeClr val="accent1"/>
+          </a:effectRef>
+          <a:fontRef idx="minor">
+            <a:schemeClr val="lt1"/>
+          </a:fontRef>
+        </p:style>
+        <p:txBody>
+          <a:bodyPr rtlCol="0" anchor="ctr"/>
+          <a:lstStyle/>
+          <a:p>
+            <a:pPr algn="ctr"/>
+            <a:endParaRPr kumimoji="1" lang="ja-JP" altLang="en-US" sz="1200"/>
+          </a:p>
+        </p:txBody>
+      </p:sp>
+      <p:sp>
+        <p:nvSpPr>
+          <p:cNvPr id="17" name="テキスト ボックス 16">
+            <a:extLst>
+              <a:ext uri="{FF2B5EF4-FFF2-40B4-BE49-F238E27FC236}">
+                <a16:creationId xmlns:a16="http://schemas.microsoft.com/office/drawing/2014/main" id="{5A5CCB70-53EE-F14D-AA9C-E545ACA10CBE}"/>
+              </a:ext>
+            </a:extLst>
+          </p:cNvPr>
+          <p:cNvSpPr txBox="1"/>
+          <p:nvPr/>
+        </p:nvSpPr>
+        <p:spPr>
+          <a:xfrm>
+            <a:off x="5356466" y="831830"/>
+            <a:ext cx="1179548" cy="369332"/>
+          </a:xfrm>
+          <a:prstGeom prst="rect">
+            <a:avLst/>
+          </a:prstGeom>
+          <a:solidFill>
+            <a:schemeClr val="bg1"/>
+          </a:solidFill>
+        </p:spPr>
+        <p:txBody>
+          <a:bodyPr wrap="square" rtlCol="0">
+            <a:spAutoFit/>
+          </a:bodyPr>
+          <a:lstStyle/>
+          <a:p>
+            <a:pPr algn="ctr"/>
+            <a:r>
+              <a:rPr kumimoji="1" lang="ja-JP" altLang="en-US"/>
+              <a:t>出題機能</a:t>
+            </a:r>
+          </a:p>
+        </p:txBody>
+      </p:sp>
+      <p:sp>
+        <p:nvSpPr>
+          <p:cNvPr id="18" name="正方形/長方形 17">
+            <a:extLst>
+              <a:ext uri="{FF2B5EF4-FFF2-40B4-BE49-F238E27FC236}">
+                <a16:creationId xmlns:a16="http://schemas.microsoft.com/office/drawing/2014/main" id="{A51B57ED-5DE7-7C43-BEAD-2F2A4AE87C4F}"/>
+              </a:ext>
+            </a:extLst>
+          </p:cNvPr>
+          <p:cNvSpPr/>
+          <p:nvPr/>
+        </p:nvSpPr>
+        <p:spPr>
+          <a:xfrm>
+            <a:off x="5196487" y="1319802"/>
+            <a:ext cx="1499507" cy="415636"/>
+          </a:xfrm>
+          <a:prstGeom prst="rect">
+            <a:avLst/>
+          </a:prstGeom>
+          <a:solidFill>
+            <a:srgbClr val="FFC000"/>
+          </a:solidFill>
+        </p:spPr>
+        <p:style>
+          <a:lnRef idx="2">
+            <a:schemeClr val="accent1">
+              <a:shade val="50000"/>
+            </a:schemeClr>
+          </a:lnRef>
+          <a:fillRef idx="1">
+            <a:schemeClr val="accent1"/>
+          </a:fillRef>
+          <a:effectRef idx="0">
+            <a:schemeClr val="accent1"/>
+          </a:effectRef>
+          <a:fontRef idx="minor">
+            <a:schemeClr val="lt1"/>
+          </a:fontRef>
+        </p:style>
+        <p:txBody>
+          <a:bodyPr rtlCol="0" anchor="ctr"/>
+          <a:lstStyle/>
+          <a:p>
+            <a:pPr algn="ctr"/>
+            <a:r>
+              <a:rPr kumimoji="1" lang="ja-JP" altLang="en-US" sz="1200"/>
+              <a:t>音声出力</a:t>
+            </a:r>
+          </a:p>
+        </p:txBody>
+      </p:sp>
+      <p:sp>
+        <p:nvSpPr>
+          <p:cNvPr id="19" name="正方形/長方形 18">
+            <a:extLst>
+              <a:ext uri="{FF2B5EF4-FFF2-40B4-BE49-F238E27FC236}">
+                <a16:creationId xmlns:a16="http://schemas.microsoft.com/office/drawing/2014/main" id="{1E7D387F-8C9E-E34D-9106-F85544A2B5F6}"/>
+              </a:ext>
+            </a:extLst>
+          </p:cNvPr>
+          <p:cNvSpPr/>
+          <p:nvPr/>
+        </p:nvSpPr>
+        <p:spPr>
+          <a:xfrm>
+            <a:off x="5196486" y="1852264"/>
+            <a:ext cx="1499507" cy="415636"/>
+          </a:xfrm>
+          <a:prstGeom prst="rect">
+            <a:avLst/>
+          </a:prstGeom>
+          <a:solidFill>
+            <a:schemeClr val="accent6">
+              <a:lumMod val="40000"/>
+              <a:lumOff val="60000"/>
+            </a:schemeClr>
+          </a:solidFill>
+        </p:spPr>
+        <p:style>
+          <a:lnRef idx="2">
+            <a:schemeClr val="accent1">
+              <a:shade val="50000"/>
+            </a:schemeClr>
+          </a:lnRef>
+          <a:fillRef idx="1">
+            <a:schemeClr val="accent1"/>
+          </a:fillRef>
+          <a:effectRef idx="0">
+            <a:schemeClr val="accent1"/>
+          </a:effectRef>
+          <a:fontRef idx="minor">
+            <a:schemeClr val="lt1"/>
+          </a:fontRef>
+        </p:style>
+        <p:txBody>
+          <a:bodyPr rtlCol="0" anchor="ctr"/>
+          <a:lstStyle/>
+          <a:p>
+            <a:pPr algn="ctr"/>
+            <a:r>
+              <a:rPr lang="ja-JP" altLang="en-US" sz="1200"/>
+              <a:t>文字出力</a:t>
+            </a:r>
+            <a:endParaRPr kumimoji="1" lang="ja-JP" altLang="en-US" sz="1200"/>
+          </a:p>
+        </p:txBody>
+      </p:sp>
+      <p:cxnSp>
+        <p:nvCxnSpPr>
+          <p:cNvPr id="20" name="直線矢印コネクタ 19">
+            <a:extLst>
+              <a:ext uri="{FF2B5EF4-FFF2-40B4-BE49-F238E27FC236}">
+                <a16:creationId xmlns:a16="http://schemas.microsoft.com/office/drawing/2014/main" id="{E54F127E-1D8E-2D42-980D-FC3155ADDF49}"/>
+              </a:ext>
+            </a:extLst>
+          </p:cNvPr>
+          <p:cNvCxnSpPr>
+            <a:cxnSpLocks/>
+            <a:endCxn id="16" idx="1"/>
+          </p:cNvCxnSpPr>
+          <p:nvPr/>
+        </p:nvCxnSpPr>
+        <p:spPr>
+          <a:xfrm>
+            <a:off x="4427147" y="1691968"/>
+            <a:ext cx="651911" cy="0"/>
+          </a:xfrm>
+          <a:prstGeom prst="straightConnector1">
+            <a:avLst/>
+          </a:prstGeom>
+          <a:ln w="28575">
+            <a:tailEnd type="triangle"/>
+          </a:ln>
+        </p:spPr>
+        <p:style>
+          <a:lnRef idx="1">
+            <a:schemeClr val="accent1"/>
+          </a:lnRef>
+          <a:fillRef idx="0">
+            <a:schemeClr val="accent1"/>
+          </a:fillRef>
+          <a:effectRef idx="0">
+            <a:schemeClr val="accent1"/>
+          </a:effectRef>
+          <a:fontRef idx="minor">
+            <a:schemeClr val="tx1"/>
+          </a:fontRef>
+        </p:style>
+      </p:cxnSp>
+      <p:sp>
+        <p:nvSpPr>
+          <p:cNvPr id="28" name="正方形/長方形 27">
+            <a:extLst>
+              <a:ext uri="{FF2B5EF4-FFF2-40B4-BE49-F238E27FC236}">
+                <a16:creationId xmlns:a16="http://schemas.microsoft.com/office/drawing/2014/main" id="{08BE6DAD-B7F6-0F4C-912D-EEB3DA01E586}"/>
+              </a:ext>
+            </a:extLst>
+          </p:cNvPr>
+          <p:cNvSpPr/>
+          <p:nvPr/>
+        </p:nvSpPr>
+        <p:spPr>
+          <a:xfrm>
+            <a:off x="7395924" y="538575"/>
+            <a:ext cx="2517105" cy="3032315"/>
+          </a:xfrm>
+          <a:prstGeom prst="rect">
+            <a:avLst/>
+          </a:prstGeom>
+          <a:noFill/>
+          <a:ln>
+            <a:solidFill>
+              <a:schemeClr val="bg1">
+                <a:lumMod val="75000"/>
+              </a:schemeClr>
+            </a:solidFill>
+          </a:ln>
+        </p:spPr>
+        <p:style>
+          <a:lnRef idx="2">
+            <a:schemeClr val="accent1">
+              <a:shade val="50000"/>
+            </a:schemeClr>
+          </a:lnRef>
+          <a:fillRef idx="1">
+            <a:schemeClr val="accent1"/>
+          </a:fillRef>
+          <a:effectRef idx="0">
+            <a:schemeClr val="accent1"/>
+          </a:effectRef>
+          <a:fontRef idx="minor">
+            <a:schemeClr val="lt1"/>
+          </a:fontRef>
+        </p:style>
+        <p:txBody>
+          <a:bodyPr rtlCol="0" anchor="ctr"/>
+          <a:lstStyle/>
+          <a:p>
+            <a:pPr algn="ctr"/>
+            <a:endParaRPr kumimoji="1" lang="ja-JP" altLang="en-US" sz="1200"/>
+          </a:p>
+        </p:txBody>
+      </p:sp>
+      <p:sp>
+        <p:nvSpPr>
+          <p:cNvPr id="29" name="テキスト ボックス 28">
+            <a:extLst>
+              <a:ext uri="{FF2B5EF4-FFF2-40B4-BE49-F238E27FC236}">
+                <a16:creationId xmlns:a16="http://schemas.microsoft.com/office/drawing/2014/main" id="{BFFC6A89-6D03-DF47-96D3-6959249FB774}"/>
+              </a:ext>
+            </a:extLst>
+          </p:cNvPr>
+          <p:cNvSpPr txBox="1"/>
+          <p:nvPr/>
+        </p:nvSpPr>
+        <p:spPr>
+          <a:xfrm>
+            <a:off x="8162594" y="407205"/>
+            <a:ext cx="1001446" cy="369332"/>
+          </a:xfrm>
+          <a:prstGeom prst="rect">
+            <a:avLst/>
+          </a:prstGeom>
+          <a:solidFill>
+            <a:schemeClr val="bg1"/>
+          </a:solidFill>
+        </p:spPr>
+        <p:txBody>
+          <a:bodyPr wrap="square" rtlCol="0">
+            <a:spAutoFit/>
+          </a:bodyPr>
+          <a:lstStyle/>
+          <a:p>
+            <a:pPr algn="ctr"/>
+            <a:r>
+              <a:rPr kumimoji="1" lang="ja-JP" altLang="en-US"/>
+              <a:t>入力部</a:t>
+            </a:r>
+          </a:p>
+        </p:txBody>
+      </p:sp>
+      <p:sp>
+        <p:nvSpPr>
+          <p:cNvPr id="30" name="正方形/長方形 29">
+            <a:extLst>
+              <a:ext uri="{FF2B5EF4-FFF2-40B4-BE49-F238E27FC236}">
+                <a16:creationId xmlns:a16="http://schemas.microsoft.com/office/drawing/2014/main" id="{893BD728-EDFD-C44C-9310-26BB336CF9C2}"/>
+              </a:ext>
+            </a:extLst>
+          </p:cNvPr>
+          <p:cNvSpPr/>
+          <p:nvPr/>
+        </p:nvSpPr>
+        <p:spPr>
+          <a:xfrm>
+            <a:off x="7772592" y="984157"/>
+            <a:ext cx="1734364" cy="1427967"/>
+          </a:xfrm>
+          <a:prstGeom prst="rect">
+            <a:avLst/>
+          </a:prstGeom>
+          <a:noFill/>
+          <a:ln>
+            <a:solidFill>
+              <a:schemeClr val="bg1">
+                <a:lumMod val="75000"/>
+              </a:schemeClr>
+            </a:solidFill>
+          </a:ln>
+        </p:spPr>
+        <p:style>
+          <a:lnRef idx="2">
+            <a:schemeClr val="accent1">
+              <a:shade val="50000"/>
+            </a:schemeClr>
+          </a:lnRef>
+          <a:fillRef idx="1">
+            <a:schemeClr val="accent1"/>
+          </a:fillRef>
+          <a:effectRef idx="0">
+            <a:schemeClr val="accent1"/>
+          </a:effectRef>
+          <a:fontRef idx="minor">
+            <a:schemeClr val="lt1"/>
+          </a:fontRef>
+        </p:style>
+        <p:txBody>
+          <a:bodyPr rtlCol="0" anchor="ctr"/>
+          <a:lstStyle/>
+          <a:p>
+            <a:pPr algn="ctr"/>
+            <a:endParaRPr kumimoji="1" lang="ja-JP" altLang="en-US" sz="1200"/>
+          </a:p>
+        </p:txBody>
+      </p:sp>
+      <p:sp>
+        <p:nvSpPr>
+          <p:cNvPr id="31" name="テキスト ボックス 30">
+            <a:extLst>
+              <a:ext uri="{FF2B5EF4-FFF2-40B4-BE49-F238E27FC236}">
+                <a16:creationId xmlns:a16="http://schemas.microsoft.com/office/drawing/2014/main" id="{06A77EBE-B68D-DD4D-833D-1297E8D06852}"/>
+              </a:ext>
+            </a:extLst>
+          </p:cNvPr>
+          <p:cNvSpPr txBox="1"/>
+          <p:nvPr/>
+        </p:nvSpPr>
+        <p:spPr>
+          <a:xfrm>
+            <a:off x="8050000" y="834813"/>
+            <a:ext cx="1179548" cy="369332"/>
+          </a:xfrm>
+          <a:prstGeom prst="rect">
+            <a:avLst/>
+          </a:prstGeom>
+          <a:solidFill>
+            <a:schemeClr val="bg1"/>
+          </a:solidFill>
+        </p:spPr>
+        <p:txBody>
+          <a:bodyPr wrap="square" rtlCol="0">
+            <a:spAutoFit/>
+          </a:bodyPr>
+          <a:lstStyle/>
+          <a:p>
+            <a:pPr algn="ctr"/>
+            <a:r>
+              <a:rPr lang="ja-JP" altLang="en-US"/>
+              <a:t>音声取得</a:t>
+            </a:r>
+            <a:endParaRPr kumimoji="1" lang="ja-JP" altLang="en-US"/>
+          </a:p>
+        </p:txBody>
+      </p:sp>
+      <p:sp>
+        <p:nvSpPr>
+          <p:cNvPr id="32" name="正方形/長方形 31">
+            <a:extLst>
+              <a:ext uri="{FF2B5EF4-FFF2-40B4-BE49-F238E27FC236}">
+                <a16:creationId xmlns:a16="http://schemas.microsoft.com/office/drawing/2014/main" id="{943FA001-F0FF-954C-8683-E9AA17CBC099}"/>
+              </a:ext>
+            </a:extLst>
+          </p:cNvPr>
+          <p:cNvSpPr/>
+          <p:nvPr/>
+        </p:nvSpPr>
+        <p:spPr>
+          <a:xfrm>
+            <a:off x="7890020" y="1295641"/>
+            <a:ext cx="1499507" cy="415636"/>
+          </a:xfrm>
+          <a:prstGeom prst="rect">
+            <a:avLst/>
+          </a:prstGeom>
+          <a:solidFill>
+            <a:srgbClr val="FFC000"/>
+          </a:solidFill>
+        </p:spPr>
+        <p:style>
+          <a:lnRef idx="2">
+            <a:schemeClr val="accent1">
+              <a:shade val="50000"/>
+            </a:schemeClr>
+          </a:lnRef>
+          <a:fillRef idx="1">
+            <a:schemeClr val="accent1"/>
+          </a:fillRef>
+          <a:effectRef idx="0">
+            <a:schemeClr val="accent1"/>
+          </a:effectRef>
+          <a:fontRef idx="minor">
+            <a:schemeClr val="lt1"/>
+          </a:fontRef>
+        </p:style>
+        <p:txBody>
+          <a:bodyPr rtlCol="0" anchor="ctr"/>
+          <a:lstStyle/>
+          <a:p>
+            <a:pPr algn="ctr"/>
+            <a:r>
+              <a:rPr kumimoji="1" lang="ja-JP" altLang="en-US" sz="1200"/>
+              <a:t>音声データ取得</a:t>
+            </a:r>
+          </a:p>
+        </p:txBody>
+      </p:sp>
+      <p:sp>
+        <p:nvSpPr>
+          <p:cNvPr id="33" name="正方形/長方形 32">
+            <a:extLst>
+              <a:ext uri="{FF2B5EF4-FFF2-40B4-BE49-F238E27FC236}">
+                <a16:creationId xmlns:a16="http://schemas.microsoft.com/office/drawing/2014/main" id="{B4BC3997-FC20-694B-8546-30DFF90DB52C}"/>
+              </a:ext>
+            </a:extLst>
+          </p:cNvPr>
+          <p:cNvSpPr/>
+          <p:nvPr/>
+        </p:nvSpPr>
+        <p:spPr>
+          <a:xfrm>
+            <a:off x="7890020" y="1869339"/>
+            <a:ext cx="1499507" cy="415636"/>
+          </a:xfrm>
+          <a:prstGeom prst="rect">
+            <a:avLst/>
+          </a:prstGeom>
+          <a:solidFill>
+            <a:srgbClr val="FFC000"/>
+          </a:solidFill>
+        </p:spPr>
+        <p:style>
+          <a:lnRef idx="2">
+            <a:schemeClr val="accent1">
+              <a:shade val="50000"/>
+            </a:schemeClr>
+          </a:lnRef>
+          <a:fillRef idx="1">
+            <a:schemeClr val="accent1"/>
+          </a:fillRef>
+          <a:effectRef idx="0">
+            <a:schemeClr val="accent1"/>
+          </a:effectRef>
+          <a:fontRef idx="minor">
+            <a:schemeClr val="lt1"/>
+          </a:fontRef>
+        </p:style>
+        <p:txBody>
+          <a:bodyPr rtlCol="0" anchor="ctr"/>
+          <a:lstStyle/>
+          <a:p>
+            <a:pPr algn="ctr"/>
+            <a:r>
+              <a:rPr kumimoji="1" lang="ja-JP" altLang="en-US" sz="1200"/>
+              <a:t>音声データ</a:t>
+            </a:r>
+            <a:endParaRPr lang="en-US" altLang="ja-JP" sz="1200" dirty="0"/>
+          </a:p>
+          <a:p>
+            <a:pPr algn="ctr"/>
+            <a:r>
+              <a:rPr lang="ja-JP" altLang="en-US" sz="1200"/>
+              <a:t>テキスト化</a:t>
+            </a:r>
+            <a:endParaRPr kumimoji="1" lang="ja-JP" altLang="en-US" sz="1200"/>
+          </a:p>
+        </p:txBody>
+      </p:sp>
+      <p:cxnSp>
+        <p:nvCxnSpPr>
+          <p:cNvPr id="35" name="直線矢印コネクタ 34">
+            <a:extLst>
+              <a:ext uri="{FF2B5EF4-FFF2-40B4-BE49-F238E27FC236}">
+                <a16:creationId xmlns:a16="http://schemas.microsoft.com/office/drawing/2014/main" id="{674B8700-4305-C343-BBD7-1191C75C5DF2}"/>
+              </a:ext>
+            </a:extLst>
+          </p:cNvPr>
+          <p:cNvCxnSpPr>
+            <a:cxnSpLocks/>
+            <a:stCxn id="32" idx="2"/>
+            <a:endCxn id="33" idx="0"/>
+          </p:cNvCxnSpPr>
+          <p:nvPr/>
+        </p:nvCxnSpPr>
+        <p:spPr>
+          <a:xfrm>
+            <a:off x="8639774" y="1711277"/>
+            <a:ext cx="0" cy="158062"/>
+          </a:xfrm>
+          <a:prstGeom prst="straightConnector1">
+            <a:avLst/>
+          </a:prstGeom>
+          <a:ln>
+            <a:tailEnd type="triangle"/>
+          </a:ln>
+        </p:spPr>
+        <p:style>
+          <a:lnRef idx="1">
+            <a:schemeClr val="accent1"/>
+          </a:lnRef>
+          <a:fillRef idx="0">
+            <a:schemeClr val="accent1"/>
+          </a:fillRef>
+          <a:effectRef idx="0">
+            <a:schemeClr val="accent1"/>
+          </a:effectRef>
+          <a:fontRef idx="minor">
+            <a:schemeClr val="tx1"/>
+          </a:fontRef>
+        </p:style>
+      </p:cxnSp>
+      <p:sp>
+        <p:nvSpPr>
+          <p:cNvPr id="38" name="正方形/長方形 37">
+            <a:extLst>
+              <a:ext uri="{FF2B5EF4-FFF2-40B4-BE49-F238E27FC236}">
+                <a16:creationId xmlns:a16="http://schemas.microsoft.com/office/drawing/2014/main" id="{321F6F33-9B23-8543-A8D6-8C6376F1DD1F}"/>
+              </a:ext>
+            </a:extLst>
+          </p:cNvPr>
+          <p:cNvSpPr/>
+          <p:nvPr/>
+        </p:nvSpPr>
+        <p:spPr>
+          <a:xfrm>
+            <a:off x="5079057" y="3428999"/>
+            <a:ext cx="1734364" cy="2656489"/>
+          </a:xfrm>
+          <a:prstGeom prst="rect">
+            <a:avLst/>
+          </a:prstGeom>
+          <a:noFill/>
+          <a:ln>
+            <a:solidFill>
+              <a:schemeClr val="bg1">
+                <a:lumMod val="75000"/>
+              </a:schemeClr>
+            </a:solidFill>
+          </a:ln>
+        </p:spPr>
+        <p:style>
+          <a:lnRef idx="2">
+            <a:schemeClr val="accent1">
+              <a:shade val="50000"/>
+            </a:schemeClr>
+          </a:lnRef>
+          <a:fillRef idx="1">
+            <a:schemeClr val="accent1"/>
+          </a:fillRef>
+          <a:effectRef idx="0">
+            <a:schemeClr val="accent1"/>
+          </a:effectRef>
+          <a:fontRef idx="minor">
+            <a:schemeClr val="lt1"/>
+          </a:fontRef>
+        </p:style>
+        <p:txBody>
+          <a:bodyPr rtlCol="0" anchor="ctr"/>
+          <a:lstStyle/>
+          <a:p>
+            <a:pPr algn="ctr"/>
+            <a:endParaRPr kumimoji="1" lang="ja-JP" altLang="en-US" sz="1200"/>
+          </a:p>
+        </p:txBody>
+      </p:sp>
+      <p:sp>
+        <p:nvSpPr>
+          <p:cNvPr id="39" name="テキスト ボックス 38">
+            <a:extLst>
+              <a:ext uri="{FF2B5EF4-FFF2-40B4-BE49-F238E27FC236}">
+                <a16:creationId xmlns:a16="http://schemas.microsoft.com/office/drawing/2014/main" id="{BA68C45C-A6CB-6348-8D6A-6352A5E9B389}"/>
+              </a:ext>
+            </a:extLst>
+          </p:cNvPr>
+          <p:cNvSpPr txBox="1"/>
+          <p:nvPr/>
+        </p:nvSpPr>
+        <p:spPr>
+          <a:xfrm>
+            <a:off x="5356465" y="3252641"/>
+            <a:ext cx="1179548" cy="369332"/>
+          </a:xfrm>
+          <a:prstGeom prst="rect">
+            <a:avLst/>
+          </a:prstGeom>
+          <a:solidFill>
+            <a:schemeClr val="bg1"/>
+          </a:solidFill>
+        </p:spPr>
+        <p:txBody>
+          <a:bodyPr wrap="square" rtlCol="0">
+            <a:spAutoFit/>
+          </a:bodyPr>
+          <a:lstStyle/>
+          <a:p>
+            <a:pPr algn="ctr"/>
+            <a:r>
+              <a:rPr lang="ja-JP" altLang="en-US"/>
+              <a:t>返答</a:t>
+            </a:r>
+            <a:r>
+              <a:rPr kumimoji="1" lang="ja-JP" altLang="en-US"/>
+              <a:t>機能</a:t>
+            </a:r>
+          </a:p>
+        </p:txBody>
+      </p:sp>
+      <p:cxnSp>
+        <p:nvCxnSpPr>
+          <p:cNvPr id="40" name="カギ線コネクタ 39">
+            <a:extLst>
+              <a:ext uri="{FF2B5EF4-FFF2-40B4-BE49-F238E27FC236}">
+                <a16:creationId xmlns:a16="http://schemas.microsoft.com/office/drawing/2014/main" id="{823147F1-7076-5242-9C32-85654D93B330}"/>
+              </a:ext>
+            </a:extLst>
+          </p:cNvPr>
+          <p:cNvCxnSpPr>
+            <a:cxnSpLocks/>
+          </p:cNvCxnSpPr>
+          <p:nvPr/>
+        </p:nvCxnSpPr>
+        <p:spPr>
+          <a:xfrm rot="10800000" flipV="1">
+            <a:off x="6658157" y="1627493"/>
+            <a:ext cx="1208586" cy="2260636"/>
+          </a:xfrm>
+          <a:prstGeom prst="bentConnector3">
+            <a:avLst>
+              <a:gd name="adj1" fmla="val 50000"/>
+            </a:avLst>
+          </a:prstGeom>
+          <a:ln w="28575">
+            <a:tailEnd type="triangle"/>
+          </a:ln>
+        </p:spPr>
+        <p:style>
+          <a:lnRef idx="1">
+            <a:schemeClr val="accent1"/>
+          </a:lnRef>
+          <a:fillRef idx="0">
+            <a:schemeClr val="accent1"/>
+          </a:fillRef>
+          <a:effectRef idx="0">
+            <a:schemeClr val="accent1"/>
+          </a:effectRef>
+          <a:fontRef idx="minor">
+            <a:schemeClr val="tx1"/>
+          </a:fontRef>
+        </p:style>
+      </p:cxnSp>
+      <p:sp>
+        <p:nvSpPr>
+          <p:cNvPr id="42" name="正方形/長方形 41">
+            <a:extLst>
+              <a:ext uri="{FF2B5EF4-FFF2-40B4-BE49-F238E27FC236}">
+                <a16:creationId xmlns:a16="http://schemas.microsoft.com/office/drawing/2014/main" id="{851F4365-1CBC-9A45-A83C-5A6153E556AC}"/>
+              </a:ext>
+            </a:extLst>
+          </p:cNvPr>
+          <p:cNvSpPr/>
+          <p:nvPr/>
+        </p:nvSpPr>
+        <p:spPr>
+          <a:xfrm>
+            <a:off x="5181927" y="3693596"/>
+            <a:ext cx="1499507" cy="415636"/>
+          </a:xfrm>
+          <a:prstGeom prst="rect">
+            <a:avLst/>
+          </a:prstGeom>
+          <a:solidFill>
+            <a:srgbClr val="FFC000"/>
+          </a:solidFill>
+        </p:spPr>
+        <p:style>
+          <a:lnRef idx="2">
+            <a:schemeClr val="accent1">
+              <a:shade val="50000"/>
+            </a:schemeClr>
+          </a:lnRef>
+          <a:fillRef idx="1">
+            <a:schemeClr val="accent1"/>
+          </a:fillRef>
+          <a:effectRef idx="0">
+            <a:schemeClr val="accent1"/>
+          </a:effectRef>
+          <a:fontRef idx="minor">
+            <a:schemeClr val="lt1"/>
+          </a:fontRef>
+        </p:style>
+        <p:txBody>
+          <a:bodyPr rtlCol="0" anchor="ctr"/>
+          <a:lstStyle/>
+          <a:p>
+            <a:pPr algn="ctr"/>
+            <a:r>
+              <a:rPr kumimoji="1" lang="ja-JP" altLang="en-US" sz="1200"/>
+              <a:t>回答催促機能</a:t>
+            </a:r>
+          </a:p>
+        </p:txBody>
+      </p:sp>
+      <p:cxnSp>
+        <p:nvCxnSpPr>
+          <p:cNvPr id="46" name="直線矢印コネクタ 45">
+            <a:extLst>
+              <a:ext uri="{FF2B5EF4-FFF2-40B4-BE49-F238E27FC236}">
+                <a16:creationId xmlns:a16="http://schemas.microsoft.com/office/drawing/2014/main" id="{0C0746C9-88D1-8043-BE5B-31D7B38D73C0}"/>
+              </a:ext>
+            </a:extLst>
+          </p:cNvPr>
+          <p:cNvCxnSpPr>
+            <a:cxnSpLocks/>
+            <a:endCxn id="32" idx="1"/>
+          </p:cNvCxnSpPr>
+          <p:nvPr/>
+        </p:nvCxnSpPr>
+        <p:spPr>
+          <a:xfrm>
+            <a:off x="6791308" y="1503459"/>
+            <a:ext cx="1098712" cy="0"/>
+          </a:xfrm>
+          <a:prstGeom prst="straightConnector1">
+            <a:avLst/>
+          </a:prstGeom>
+          <a:ln w="28575">
+            <a:tailEnd type="triangle"/>
+          </a:ln>
+        </p:spPr>
+        <p:style>
+          <a:lnRef idx="1">
+            <a:schemeClr val="accent1"/>
+          </a:lnRef>
+          <a:fillRef idx="0">
+            <a:schemeClr val="accent1"/>
+          </a:fillRef>
+          <a:effectRef idx="0">
+            <a:schemeClr val="accent1"/>
+          </a:effectRef>
+          <a:fontRef idx="minor">
+            <a:schemeClr val="tx1"/>
+          </a:fontRef>
+        </p:style>
+      </p:cxnSp>
+      <p:sp>
+        <p:nvSpPr>
+          <p:cNvPr id="52" name="正方形/長方形 51">
+            <a:extLst>
+              <a:ext uri="{FF2B5EF4-FFF2-40B4-BE49-F238E27FC236}">
+                <a16:creationId xmlns:a16="http://schemas.microsoft.com/office/drawing/2014/main" id="{6EBD0B11-52F3-6B4A-BE9F-6C19A5C4A274}"/>
+              </a:ext>
+            </a:extLst>
+          </p:cNvPr>
+          <p:cNvSpPr/>
+          <p:nvPr/>
+        </p:nvSpPr>
+        <p:spPr>
+          <a:xfrm>
+            <a:off x="7772592" y="2648863"/>
+            <a:ext cx="1734364" cy="842651"/>
+          </a:xfrm>
+          <a:prstGeom prst="rect">
+            <a:avLst/>
+          </a:prstGeom>
+          <a:noFill/>
+          <a:ln>
+            <a:solidFill>
+              <a:schemeClr val="bg1">
+                <a:lumMod val="75000"/>
+              </a:schemeClr>
+            </a:solidFill>
+          </a:ln>
+        </p:spPr>
+        <p:style>
+          <a:lnRef idx="2">
+            <a:schemeClr val="accent1">
+              <a:shade val="50000"/>
+            </a:schemeClr>
+          </a:lnRef>
+          <a:fillRef idx="1">
+            <a:schemeClr val="accent1"/>
+          </a:fillRef>
+          <a:effectRef idx="0">
+            <a:schemeClr val="accent1"/>
+          </a:effectRef>
+          <a:fontRef idx="minor">
+            <a:schemeClr val="lt1"/>
+          </a:fontRef>
+        </p:style>
+        <p:txBody>
+          <a:bodyPr rtlCol="0" anchor="ctr"/>
+          <a:lstStyle/>
+          <a:p>
+            <a:pPr algn="ctr"/>
+            <a:endParaRPr kumimoji="1" lang="ja-JP" altLang="en-US" sz="1200"/>
+          </a:p>
+        </p:txBody>
+      </p:sp>
+      <p:sp>
+        <p:nvSpPr>
+          <p:cNvPr id="53" name="テキスト ボックス 52">
+            <a:extLst>
+              <a:ext uri="{FF2B5EF4-FFF2-40B4-BE49-F238E27FC236}">
+                <a16:creationId xmlns:a16="http://schemas.microsoft.com/office/drawing/2014/main" id="{1AB5854B-BD41-3B4A-9A1C-CA3C3ABDBC27}"/>
+              </a:ext>
+            </a:extLst>
+          </p:cNvPr>
+          <p:cNvSpPr txBox="1"/>
+          <p:nvPr/>
+        </p:nvSpPr>
+        <p:spPr>
+          <a:xfrm>
+            <a:off x="8067323" y="2468389"/>
+            <a:ext cx="1194027" cy="369332"/>
+          </a:xfrm>
+          <a:prstGeom prst="rect">
+            <a:avLst/>
+          </a:prstGeom>
+          <a:solidFill>
+            <a:schemeClr val="bg1"/>
+          </a:solidFill>
+        </p:spPr>
+        <p:txBody>
+          <a:bodyPr wrap="square" rtlCol="0">
+            <a:spAutoFit/>
+          </a:bodyPr>
+          <a:lstStyle/>
+          <a:p>
+            <a:pPr algn="ctr"/>
+            <a:r>
+              <a:rPr lang="ja-JP" altLang="en-US"/>
+              <a:t>文字取得</a:t>
+            </a:r>
+            <a:endParaRPr kumimoji="1" lang="ja-JP" altLang="en-US"/>
+          </a:p>
+        </p:txBody>
+      </p:sp>
+      <p:sp>
+        <p:nvSpPr>
+          <p:cNvPr id="54" name="正方形/長方形 53">
+            <a:extLst>
+              <a:ext uri="{FF2B5EF4-FFF2-40B4-BE49-F238E27FC236}">
+                <a16:creationId xmlns:a16="http://schemas.microsoft.com/office/drawing/2014/main" id="{662ABFE6-8D2A-944E-8F7C-6070FD078101}"/>
+              </a:ext>
+            </a:extLst>
+          </p:cNvPr>
+          <p:cNvSpPr/>
+          <p:nvPr/>
+        </p:nvSpPr>
+        <p:spPr>
+          <a:xfrm>
+            <a:off x="7872781" y="2923061"/>
+            <a:ext cx="1499507" cy="463029"/>
+          </a:xfrm>
+          <a:prstGeom prst="rect">
+            <a:avLst/>
+          </a:prstGeom>
+          <a:solidFill>
+            <a:schemeClr val="accent6">
+              <a:lumMod val="40000"/>
+              <a:lumOff val="60000"/>
+            </a:schemeClr>
+          </a:solidFill>
+        </p:spPr>
+        <p:style>
+          <a:lnRef idx="2">
+            <a:schemeClr val="accent1">
+              <a:shade val="50000"/>
+            </a:schemeClr>
+          </a:lnRef>
+          <a:fillRef idx="1">
+            <a:schemeClr val="accent1"/>
+          </a:fillRef>
+          <a:effectRef idx="0">
+            <a:schemeClr val="accent1"/>
+          </a:effectRef>
+          <a:fontRef idx="minor">
+            <a:schemeClr val="lt1"/>
+          </a:fontRef>
+        </p:style>
+        <p:txBody>
+          <a:bodyPr rtlCol="0" anchor="ctr"/>
+          <a:lstStyle/>
+          <a:p>
+            <a:pPr algn="ctr"/>
+            <a:r>
+              <a:rPr kumimoji="1" lang="ja-JP" altLang="en-US" sz="1200"/>
+              <a:t>テキストデータ</a:t>
+            </a:r>
+            <a:endParaRPr kumimoji="1" lang="en-US" altLang="ja-JP" sz="1200" dirty="0"/>
+          </a:p>
+          <a:p>
+            <a:pPr algn="ctr"/>
+            <a:r>
+              <a:rPr lang="ja-JP" altLang="en-US" sz="1200"/>
+              <a:t>取得</a:t>
+            </a:r>
+            <a:endParaRPr kumimoji="1" lang="ja-JP" altLang="en-US" sz="1200"/>
+          </a:p>
+        </p:txBody>
+      </p:sp>
+      <p:sp>
+        <p:nvSpPr>
+          <p:cNvPr id="56" name="正方形/長方形 55">
+            <a:extLst>
+              <a:ext uri="{FF2B5EF4-FFF2-40B4-BE49-F238E27FC236}">
+                <a16:creationId xmlns:a16="http://schemas.microsoft.com/office/drawing/2014/main" id="{C54054E0-F0A2-0F4C-A9B7-FB1C32F1EF5D}"/>
+              </a:ext>
+            </a:extLst>
+          </p:cNvPr>
+          <p:cNvSpPr/>
+          <p:nvPr/>
+        </p:nvSpPr>
+        <p:spPr>
+          <a:xfrm>
+            <a:off x="7395924" y="3963807"/>
+            <a:ext cx="2511378" cy="1588672"/>
+          </a:xfrm>
+          <a:prstGeom prst="rect">
+            <a:avLst/>
+          </a:prstGeom>
+          <a:noFill/>
+          <a:ln>
+            <a:solidFill>
+              <a:schemeClr val="bg1">
+                <a:lumMod val="75000"/>
+              </a:schemeClr>
+            </a:solidFill>
+          </a:ln>
+        </p:spPr>
+        <p:style>
+          <a:lnRef idx="2">
+            <a:schemeClr val="accent1">
+              <a:shade val="50000"/>
+            </a:schemeClr>
+          </a:lnRef>
+          <a:fillRef idx="1">
+            <a:schemeClr val="accent1"/>
+          </a:fillRef>
+          <a:effectRef idx="0">
+            <a:schemeClr val="accent1"/>
+          </a:effectRef>
+          <a:fontRef idx="minor">
+            <a:schemeClr val="lt1"/>
+          </a:fontRef>
+        </p:style>
+        <p:txBody>
+          <a:bodyPr rtlCol="0" anchor="ctr"/>
+          <a:lstStyle/>
+          <a:p>
+            <a:pPr algn="ctr"/>
+            <a:endParaRPr kumimoji="1" lang="ja-JP" altLang="en-US" sz="1200"/>
+          </a:p>
+        </p:txBody>
+      </p:sp>
+      <p:sp>
+        <p:nvSpPr>
+          <p:cNvPr id="57" name="テキスト ボックス 56">
+            <a:extLst>
+              <a:ext uri="{FF2B5EF4-FFF2-40B4-BE49-F238E27FC236}">
+                <a16:creationId xmlns:a16="http://schemas.microsoft.com/office/drawing/2014/main" id="{A860BA63-8D6E-154C-926D-C00B3F5882E2}"/>
+              </a:ext>
+            </a:extLst>
+          </p:cNvPr>
+          <p:cNvSpPr txBox="1"/>
+          <p:nvPr/>
+        </p:nvSpPr>
+        <p:spPr>
+          <a:xfrm>
+            <a:off x="8122361" y="3765712"/>
+            <a:ext cx="1138989" cy="369332"/>
+          </a:xfrm>
+          <a:prstGeom prst="rect">
+            <a:avLst/>
+          </a:prstGeom>
+          <a:solidFill>
+            <a:schemeClr val="bg1"/>
+          </a:solidFill>
+        </p:spPr>
+        <p:txBody>
+          <a:bodyPr wrap="square" rtlCol="0">
+            <a:spAutoFit/>
+          </a:bodyPr>
+          <a:lstStyle/>
+          <a:p>
+            <a:pPr algn="ctr"/>
+            <a:r>
+              <a:rPr kumimoji="1" lang="ja-JP" altLang="en-US"/>
+              <a:t>判定機能</a:t>
+            </a:r>
+          </a:p>
+        </p:txBody>
+      </p:sp>
+      <p:sp>
+        <p:nvSpPr>
+          <p:cNvPr id="58" name="正方形/長方形 57">
+            <a:extLst>
+              <a:ext uri="{FF2B5EF4-FFF2-40B4-BE49-F238E27FC236}">
+                <a16:creationId xmlns:a16="http://schemas.microsoft.com/office/drawing/2014/main" id="{A26CD47F-7D9C-CF40-BFCB-05D243AF1A6D}"/>
+              </a:ext>
+            </a:extLst>
+          </p:cNvPr>
+          <p:cNvSpPr/>
+          <p:nvPr/>
+        </p:nvSpPr>
+        <p:spPr>
+          <a:xfrm>
+            <a:off x="7901859" y="4220307"/>
+            <a:ext cx="1499507" cy="415636"/>
+          </a:xfrm>
+          <a:prstGeom prst="rect">
+            <a:avLst/>
+          </a:prstGeom>
+          <a:solidFill>
+            <a:srgbClr val="FFC000"/>
+          </a:solidFill>
+        </p:spPr>
+        <p:style>
+          <a:lnRef idx="2">
+            <a:schemeClr val="accent1">
+              <a:shade val="50000"/>
+            </a:schemeClr>
+          </a:lnRef>
+          <a:fillRef idx="1">
+            <a:schemeClr val="accent1"/>
+          </a:fillRef>
+          <a:effectRef idx="0">
+            <a:schemeClr val="accent1"/>
+          </a:effectRef>
+          <a:fontRef idx="minor">
+            <a:schemeClr val="lt1"/>
+          </a:fontRef>
+        </p:style>
+        <p:txBody>
+          <a:bodyPr rtlCol="0" anchor="ctr"/>
+          <a:lstStyle/>
+          <a:p>
+            <a:pPr algn="ctr"/>
+            <a:r>
+              <a:rPr kumimoji="1" lang="ja-JP" altLang="en-US" sz="1200"/>
+              <a:t>構文解析機能</a:t>
+            </a:r>
+          </a:p>
+        </p:txBody>
+      </p:sp>
+      <p:sp>
+        <p:nvSpPr>
+          <p:cNvPr id="59" name="正方形/長方形 58">
+            <a:extLst>
+              <a:ext uri="{FF2B5EF4-FFF2-40B4-BE49-F238E27FC236}">
+                <a16:creationId xmlns:a16="http://schemas.microsoft.com/office/drawing/2014/main" id="{A6E931C7-491B-9C4B-AC2F-07D931C25D5A}"/>
+              </a:ext>
+            </a:extLst>
+          </p:cNvPr>
+          <p:cNvSpPr/>
+          <p:nvPr/>
+        </p:nvSpPr>
+        <p:spPr>
+          <a:xfrm>
+            <a:off x="7901859" y="4921379"/>
+            <a:ext cx="1499507" cy="415636"/>
+          </a:xfrm>
+          <a:prstGeom prst="rect">
+            <a:avLst/>
+          </a:prstGeom>
+          <a:solidFill>
+            <a:srgbClr val="FFC000"/>
+          </a:solidFill>
+        </p:spPr>
+        <p:style>
+          <a:lnRef idx="2">
+            <a:schemeClr val="accent1">
+              <a:shade val="50000"/>
+            </a:schemeClr>
+          </a:lnRef>
+          <a:fillRef idx="1">
+            <a:schemeClr val="accent1"/>
+          </a:fillRef>
+          <a:effectRef idx="0">
+            <a:schemeClr val="accent1"/>
+          </a:effectRef>
+          <a:fontRef idx="minor">
+            <a:schemeClr val="lt1"/>
+          </a:fontRef>
+        </p:style>
+        <p:txBody>
+          <a:bodyPr rtlCol="0" anchor="ctr"/>
+          <a:lstStyle/>
+          <a:p>
+            <a:pPr algn="ctr"/>
+            <a:r>
+              <a:rPr lang="ja-JP" altLang="en-US" sz="1200"/>
+              <a:t>採点機能</a:t>
+            </a:r>
+            <a:endParaRPr kumimoji="1" lang="ja-JP" altLang="en-US" sz="1200"/>
+          </a:p>
+        </p:txBody>
+      </p:sp>
+      <p:cxnSp>
+        <p:nvCxnSpPr>
+          <p:cNvPr id="60" name="直線矢印コネクタ 59">
+            <a:extLst>
+              <a:ext uri="{FF2B5EF4-FFF2-40B4-BE49-F238E27FC236}">
+                <a16:creationId xmlns:a16="http://schemas.microsoft.com/office/drawing/2014/main" id="{F5D5E085-A77E-D740-8051-63FA2892542A}"/>
+              </a:ext>
+            </a:extLst>
+          </p:cNvPr>
+          <p:cNvCxnSpPr>
+            <a:cxnSpLocks/>
+            <a:stCxn id="58" idx="2"/>
+            <a:endCxn id="59" idx="0"/>
+          </p:cNvCxnSpPr>
+          <p:nvPr/>
+        </p:nvCxnSpPr>
+        <p:spPr>
+          <a:xfrm>
+            <a:off x="8651613" y="4635943"/>
+            <a:ext cx="0" cy="285436"/>
+          </a:xfrm>
+          <a:prstGeom prst="straightConnector1">
+            <a:avLst/>
+          </a:prstGeom>
+          <a:ln w="28575">
+            <a:tailEnd type="triangle"/>
+          </a:ln>
+        </p:spPr>
+        <p:style>
+          <a:lnRef idx="1">
+            <a:schemeClr val="accent1"/>
+          </a:lnRef>
+          <a:fillRef idx="0">
+            <a:schemeClr val="accent1"/>
+          </a:fillRef>
+          <a:effectRef idx="0">
+            <a:schemeClr val="accent1"/>
+          </a:effectRef>
+          <a:fontRef idx="minor">
+            <a:schemeClr val="tx1"/>
+          </a:fontRef>
+        </p:style>
+      </p:cxnSp>
+      <p:sp>
+        <p:nvSpPr>
+          <p:cNvPr id="64" name="正方形/長方形 63">
+            <a:extLst>
+              <a:ext uri="{FF2B5EF4-FFF2-40B4-BE49-F238E27FC236}">
+                <a16:creationId xmlns:a16="http://schemas.microsoft.com/office/drawing/2014/main" id="{C11593CC-036F-204A-8683-DD351293E005}"/>
+              </a:ext>
+            </a:extLst>
+          </p:cNvPr>
+          <p:cNvSpPr/>
+          <p:nvPr/>
+        </p:nvSpPr>
+        <p:spPr>
+          <a:xfrm>
+            <a:off x="5182556" y="4566065"/>
+            <a:ext cx="1499507" cy="415636"/>
+          </a:xfrm>
+          <a:prstGeom prst="rect">
+            <a:avLst/>
+          </a:prstGeom>
+          <a:solidFill>
+            <a:srgbClr val="FFC000"/>
+          </a:solidFill>
+        </p:spPr>
+        <p:style>
+          <a:lnRef idx="2">
+            <a:schemeClr val="accent1">
+              <a:shade val="50000"/>
+            </a:schemeClr>
+          </a:lnRef>
+          <a:fillRef idx="1">
+            <a:schemeClr val="accent1"/>
+          </a:fillRef>
+          <a:effectRef idx="0">
+            <a:schemeClr val="accent1"/>
+          </a:effectRef>
+          <a:fontRef idx="minor">
+            <a:schemeClr val="lt1"/>
+          </a:fontRef>
+        </p:style>
+        <p:txBody>
+          <a:bodyPr rtlCol="0" anchor="ctr"/>
+          <a:lstStyle/>
+          <a:p>
+            <a:pPr algn="ctr"/>
+            <a:r>
+              <a:rPr kumimoji="1" lang="ja-JP" altLang="en-US" sz="1200"/>
+              <a:t>褒め機能</a:t>
+            </a:r>
+          </a:p>
+        </p:txBody>
+      </p:sp>
+      <p:sp>
+        <p:nvSpPr>
+          <p:cNvPr id="65" name="正方形/長方形 64">
+            <a:extLst>
+              <a:ext uri="{FF2B5EF4-FFF2-40B4-BE49-F238E27FC236}">
+                <a16:creationId xmlns:a16="http://schemas.microsoft.com/office/drawing/2014/main" id="{76C60444-F042-5049-9D38-2CA7B42A868A}"/>
+              </a:ext>
+            </a:extLst>
+          </p:cNvPr>
+          <p:cNvSpPr/>
+          <p:nvPr/>
+        </p:nvSpPr>
+        <p:spPr>
+          <a:xfrm>
+            <a:off x="5181928" y="5062906"/>
+            <a:ext cx="1499507" cy="415636"/>
+          </a:xfrm>
+          <a:prstGeom prst="rect">
+            <a:avLst/>
+          </a:prstGeom>
+          <a:solidFill>
+            <a:srgbClr val="FFC000"/>
+          </a:solidFill>
+        </p:spPr>
+        <p:style>
+          <a:lnRef idx="2">
+            <a:schemeClr val="accent1">
+              <a:shade val="50000"/>
+            </a:schemeClr>
+          </a:lnRef>
+          <a:fillRef idx="1">
+            <a:schemeClr val="accent1"/>
+          </a:fillRef>
+          <a:effectRef idx="0">
+            <a:schemeClr val="accent1"/>
+          </a:effectRef>
+          <a:fontRef idx="minor">
+            <a:schemeClr val="lt1"/>
+          </a:fontRef>
+        </p:style>
+        <p:txBody>
+          <a:bodyPr rtlCol="0" anchor="ctr"/>
+          <a:lstStyle/>
+          <a:p>
+            <a:pPr algn="ctr"/>
+            <a:r>
+              <a:rPr lang="ja-JP" altLang="en-US" sz="1200"/>
+              <a:t>否定</a:t>
+            </a:r>
+            <a:r>
+              <a:rPr kumimoji="1" lang="ja-JP" altLang="en-US" sz="1200"/>
+              <a:t>機能</a:t>
+            </a:r>
+          </a:p>
+        </p:txBody>
+      </p:sp>
+      <p:sp>
+        <p:nvSpPr>
+          <p:cNvPr id="66" name="正方形/長方形 65">
+            <a:extLst>
+              <a:ext uri="{FF2B5EF4-FFF2-40B4-BE49-F238E27FC236}">
+                <a16:creationId xmlns:a16="http://schemas.microsoft.com/office/drawing/2014/main" id="{7390A217-74DD-A944-BEFE-FB9C7335FCC8}"/>
+              </a:ext>
+            </a:extLst>
+          </p:cNvPr>
+          <p:cNvSpPr/>
+          <p:nvPr/>
+        </p:nvSpPr>
+        <p:spPr>
+          <a:xfrm>
+            <a:off x="5181928" y="5545872"/>
+            <a:ext cx="1499507" cy="415636"/>
+          </a:xfrm>
+          <a:prstGeom prst="rect">
+            <a:avLst/>
+          </a:prstGeom>
+          <a:solidFill>
+            <a:srgbClr val="FFC000"/>
+          </a:solidFill>
+        </p:spPr>
+        <p:style>
+          <a:lnRef idx="2">
+            <a:schemeClr val="accent1">
+              <a:shade val="50000"/>
+            </a:schemeClr>
+          </a:lnRef>
+          <a:fillRef idx="1">
+            <a:schemeClr val="accent1"/>
+          </a:fillRef>
+          <a:effectRef idx="0">
+            <a:schemeClr val="accent1"/>
+          </a:effectRef>
+          <a:fontRef idx="minor">
+            <a:schemeClr val="lt1"/>
+          </a:fontRef>
+        </p:style>
+        <p:txBody>
+          <a:bodyPr rtlCol="0" anchor="ctr"/>
+          <a:lstStyle/>
+          <a:p>
+            <a:pPr algn="ctr"/>
+            <a:r>
+              <a:rPr kumimoji="1" lang="ja-JP" altLang="en-US" sz="1200"/>
+              <a:t>回答確認機能</a:t>
+            </a:r>
+          </a:p>
+        </p:txBody>
+      </p:sp>
+      <p:cxnSp>
+        <p:nvCxnSpPr>
+          <p:cNvPr id="67" name="カギ線コネクタ 66">
+            <a:extLst>
+              <a:ext uri="{FF2B5EF4-FFF2-40B4-BE49-F238E27FC236}">
+                <a16:creationId xmlns:a16="http://schemas.microsoft.com/office/drawing/2014/main" id="{F0ED76CF-BDC5-1F4E-8FEC-6A295B745342}"/>
+              </a:ext>
+            </a:extLst>
+          </p:cNvPr>
+          <p:cNvCxnSpPr>
+            <a:cxnSpLocks/>
+            <a:stCxn id="59" idx="1"/>
+            <a:endCxn id="64" idx="3"/>
+          </p:cNvCxnSpPr>
+          <p:nvPr/>
+        </p:nvCxnSpPr>
+        <p:spPr>
+          <a:xfrm rot="10800000">
+            <a:off x="6682063" y="4773883"/>
+            <a:ext cx="1219796" cy="355314"/>
+          </a:xfrm>
+          <a:prstGeom prst="bentConnector3">
+            <a:avLst>
+              <a:gd name="adj1" fmla="val 50000"/>
+            </a:avLst>
+          </a:prstGeom>
+          <a:ln w="28575">
+            <a:tailEnd type="triangle"/>
+          </a:ln>
+        </p:spPr>
+        <p:style>
+          <a:lnRef idx="1">
+            <a:schemeClr val="accent1"/>
+          </a:lnRef>
+          <a:fillRef idx="0">
+            <a:schemeClr val="accent1"/>
+          </a:fillRef>
+          <a:effectRef idx="0">
+            <a:schemeClr val="accent1"/>
+          </a:effectRef>
+          <a:fontRef idx="minor">
+            <a:schemeClr val="tx1"/>
+          </a:fontRef>
+        </p:style>
+      </p:cxnSp>
+      <p:cxnSp>
+        <p:nvCxnSpPr>
+          <p:cNvPr id="70" name="カギ線コネクタ 69">
+            <a:extLst>
+              <a:ext uri="{FF2B5EF4-FFF2-40B4-BE49-F238E27FC236}">
+                <a16:creationId xmlns:a16="http://schemas.microsoft.com/office/drawing/2014/main" id="{E4DD5152-1E91-A74A-86DE-636C47626EFB}"/>
+              </a:ext>
+            </a:extLst>
+          </p:cNvPr>
+          <p:cNvCxnSpPr>
+            <a:cxnSpLocks/>
+            <a:stCxn id="59" idx="1"/>
+            <a:endCxn id="65" idx="3"/>
+          </p:cNvCxnSpPr>
+          <p:nvPr/>
+        </p:nvCxnSpPr>
+        <p:spPr>
+          <a:xfrm rot="10800000" flipV="1">
+            <a:off x="6681435" y="5129196"/>
+            <a:ext cx="1220424" cy="141527"/>
+          </a:xfrm>
+          <a:prstGeom prst="bentConnector3">
+            <a:avLst>
+              <a:gd name="adj1" fmla="val 50000"/>
+            </a:avLst>
+          </a:prstGeom>
+          <a:ln w="28575">
+            <a:tailEnd type="triangle"/>
+          </a:ln>
+        </p:spPr>
+        <p:style>
+          <a:lnRef idx="1">
+            <a:schemeClr val="accent1"/>
+          </a:lnRef>
+          <a:fillRef idx="0">
+            <a:schemeClr val="accent1"/>
+          </a:fillRef>
+          <a:effectRef idx="0">
+            <a:schemeClr val="accent1"/>
+          </a:effectRef>
+          <a:fontRef idx="minor">
+            <a:schemeClr val="tx1"/>
+          </a:fontRef>
+        </p:style>
+      </p:cxnSp>
+      <p:cxnSp>
+        <p:nvCxnSpPr>
+          <p:cNvPr id="73" name="カギ線コネクタ 72">
+            <a:extLst>
+              <a:ext uri="{FF2B5EF4-FFF2-40B4-BE49-F238E27FC236}">
+                <a16:creationId xmlns:a16="http://schemas.microsoft.com/office/drawing/2014/main" id="{54C757C2-F22C-4E4D-A3C4-17B71983D7B3}"/>
+              </a:ext>
+            </a:extLst>
+          </p:cNvPr>
+          <p:cNvCxnSpPr>
+            <a:cxnSpLocks/>
+            <a:stCxn id="33" idx="3"/>
+            <a:endCxn id="58" idx="3"/>
+          </p:cNvCxnSpPr>
+          <p:nvPr/>
+        </p:nvCxnSpPr>
+        <p:spPr>
+          <a:xfrm>
+            <a:off x="9389527" y="2077157"/>
+            <a:ext cx="11839" cy="2350968"/>
+          </a:xfrm>
+          <a:prstGeom prst="bentConnector3">
+            <a:avLst>
+              <a:gd name="adj1" fmla="val 6159051"/>
+            </a:avLst>
+          </a:prstGeom>
+          <a:ln w="28575">
+            <a:tailEnd type="triangle"/>
+          </a:ln>
+        </p:spPr>
+        <p:style>
+          <a:lnRef idx="1">
+            <a:schemeClr val="accent1"/>
+          </a:lnRef>
+          <a:fillRef idx="0">
+            <a:schemeClr val="accent1"/>
+          </a:fillRef>
+          <a:effectRef idx="0">
+            <a:schemeClr val="accent1"/>
+          </a:effectRef>
+          <a:fontRef idx="minor">
+            <a:schemeClr val="tx1"/>
+          </a:fontRef>
+        </p:style>
+      </p:cxnSp>
+      <p:sp>
+        <p:nvSpPr>
+          <p:cNvPr id="90" name="正方形/長方形 89">
+            <a:extLst>
+              <a:ext uri="{FF2B5EF4-FFF2-40B4-BE49-F238E27FC236}">
+                <a16:creationId xmlns:a16="http://schemas.microsoft.com/office/drawing/2014/main" id="{FC4466EC-9EB7-3640-9AFF-B6D7847727A1}"/>
+              </a:ext>
+            </a:extLst>
+          </p:cNvPr>
+          <p:cNvSpPr/>
+          <p:nvPr/>
+        </p:nvSpPr>
+        <p:spPr>
+          <a:xfrm>
+            <a:off x="5196486" y="2655727"/>
+            <a:ext cx="1499507" cy="415636"/>
+          </a:xfrm>
+          <a:prstGeom prst="rect">
+            <a:avLst/>
+          </a:prstGeom>
+          <a:solidFill>
+            <a:srgbClr val="FFC000"/>
+          </a:solidFill>
+        </p:spPr>
+        <p:style>
+          <a:lnRef idx="2">
+            <a:schemeClr val="accent1">
+              <a:shade val="50000"/>
+            </a:schemeClr>
+          </a:lnRef>
+          <a:fillRef idx="1">
+            <a:schemeClr val="accent1"/>
+          </a:fillRef>
+          <a:effectRef idx="0">
+            <a:schemeClr val="accent1"/>
+          </a:effectRef>
+          <a:fontRef idx="minor">
+            <a:schemeClr val="lt1"/>
+          </a:fontRef>
+        </p:style>
+        <p:txBody>
+          <a:bodyPr rtlCol="0" anchor="ctr"/>
+          <a:lstStyle/>
+          <a:p>
+            <a:pPr algn="ctr"/>
+            <a:r>
+              <a:rPr lang="ja-JP" altLang="en-US" sz="1200"/>
+              <a:t>回答受付通知</a:t>
+            </a:r>
+            <a:r>
+              <a:rPr kumimoji="1" lang="ja-JP" altLang="en-US" sz="1200"/>
+              <a:t>機能</a:t>
+            </a:r>
+          </a:p>
+        </p:txBody>
+      </p:sp>
+      <p:cxnSp>
+        <p:nvCxnSpPr>
+          <p:cNvPr id="91" name="直線矢印コネクタ 90">
+            <a:extLst>
+              <a:ext uri="{FF2B5EF4-FFF2-40B4-BE49-F238E27FC236}">
+                <a16:creationId xmlns:a16="http://schemas.microsoft.com/office/drawing/2014/main" id="{95E64A78-13C9-4B41-A1C1-CC055C2D55B4}"/>
+              </a:ext>
+            </a:extLst>
+          </p:cNvPr>
+          <p:cNvCxnSpPr>
+            <a:cxnSpLocks/>
+            <a:stCxn id="16" idx="2"/>
+            <a:endCxn id="90" idx="0"/>
+          </p:cNvCxnSpPr>
+          <p:nvPr/>
+        </p:nvCxnSpPr>
+        <p:spPr>
+          <a:xfrm>
+            <a:off x="5946240" y="2412124"/>
+            <a:ext cx="0" cy="243603"/>
+          </a:xfrm>
+          <a:prstGeom prst="straightConnector1">
+            <a:avLst/>
+          </a:prstGeom>
+          <a:ln w="28575">
+            <a:tailEnd type="triangle"/>
+          </a:ln>
+        </p:spPr>
+        <p:style>
+          <a:lnRef idx="1">
+            <a:schemeClr val="accent1"/>
+          </a:lnRef>
+          <a:fillRef idx="0">
+            <a:schemeClr val="accent1"/>
+          </a:fillRef>
+          <a:effectRef idx="0">
+            <a:schemeClr val="accent1"/>
+          </a:effectRef>
+          <a:fontRef idx="minor">
+            <a:schemeClr val="tx1"/>
+          </a:fontRef>
+        </p:style>
+      </p:cxnSp>
+      <p:sp>
+        <p:nvSpPr>
+          <p:cNvPr id="94" name="正方形/長方形 93">
+            <a:extLst>
+              <a:ext uri="{FF2B5EF4-FFF2-40B4-BE49-F238E27FC236}">
+                <a16:creationId xmlns:a16="http://schemas.microsoft.com/office/drawing/2014/main" id="{1C5072D7-EA8A-604E-9347-C2D30D15651D}"/>
+              </a:ext>
+            </a:extLst>
+          </p:cNvPr>
+          <p:cNvSpPr/>
+          <p:nvPr/>
+        </p:nvSpPr>
+        <p:spPr>
+          <a:xfrm>
+            <a:off x="10486864" y="556176"/>
+            <a:ext cx="1499507" cy="415636"/>
+          </a:xfrm>
+          <a:prstGeom prst="rect">
+            <a:avLst/>
+          </a:prstGeom>
+          <a:solidFill>
+            <a:srgbClr val="FFC000"/>
+          </a:solidFill>
+        </p:spPr>
+        <p:style>
+          <a:lnRef idx="2">
+            <a:schemeClr val="accent1">
+              <a:shade val="50000"/>
+            </a:schemeClr>
+          </a:lnRef>
+          <a:fillRef idx="1">
+            <a:schemeClr val="accent1"/>
+          </a:fillRef>
+          <a:effectRef idx="0">
+            <a:schemeClr val="accent1"/>
+          </a:effectRef>
+          <a:fontRef idx="minor">
+            <a:schemeClr val="lt1"/>
+          </a:fontRef>
+        </p:style>
+        <p:txBody>
+          <a:bodyPr rtlCol="0" anchor="ctr"/>
+          <a:lstStyle/>
+          <a:p>
+            <a:pPr algn="ctr"/>
+            <a:r>
+              <a:rPr kumimoji="1" lang="ja-JP" altLang="en-US" sz="1200"/>
+              <a:t>実装必須機能</a:t>
+            </a:r>
+          </a:p>
+        </p:txBody>
+      </p:sp>
+      <p:sp>
+        <p:nvSpPr>
+          <p:cNvPr id="95" name="正方形/長方形 94">
+            <a:extLst>
+              <a:ext uri="{FF2B5EF4-FFF2-40B4-BE49-F238E27FC236}">
+                <a16:creationId xmlns:a16="http://schemas.microsoft.com/office/drawing/2014/main" id="{DDC859B8-CB20-E844-A97D-4A27F13B935A}"/>
+              </a:ext>
+            </a:extLst>
+          </p:cNvPr>
+          <p:cNvSpPr/>
+          <p:nvPr/>
+        </p:nvSpPr>
+        <p:spPr>
+          <a:xfrm>
+            <a:off x="10486863" y="1061125"/>
+            <a:ext cx="1499507" cy="415636"/>
+          </a:xfrm>
+          <a:prstGeom prst="rect">
+            <a:avLst/>
+          </a:prstGeom>
+          <a:solidFill>
+            <a:schemeClr val="accent6">
+              <a:lumMod val="40000"/>
+              <a:lumOff val="60000"/>
+            </a:schemeClr>
+          </a:solidFill>
+        </p:spPr>
+        <p:style>
+          <a:lnRef idx="2">
+            <a:schemeClr val="accent1">
+              <a:shade val="50000"/>
+            </a:schemeClr>
+          </a:lnRef>
+          <a:fillRef idx="1">
+            <a:schemeClr val="accent1"/>
+          </a:fillRef>
+          <a:effectRef idx="0">
+            <a:schemeClr val="accent1"/>
+          </a:effectRef>
+          <a:fontRef idx="minor">
+            <a:schemeClr val="lt1"/>
+          </a:fontRef>
+        </p:style>
+        <p:txBody>
+          <a:bodyPr rtlCol="0" anchor="ctr"/>
+          <a:lstStyle/>
+          <a:p>
+            <a:pPr algn="ctr"/>
+            <a:r>
+              <a:rPr kumimoji="1" lang="ja-JP" altLang="en-US" sz="1200"/>
+              <a:t>追加実装機能</a:t>
+            </a:r>
+          </a:p>
+        </p:txBody>
+      </p:sp>
+      <p:cxnSp>
+        <p:nvCxnSpPr>
+          <p:cNvPr id="96" name="カギ線コネクタ 95">
+            <a:extLst>
+              <a:ext uri="{FF2B5EF4-FFF2-40B4-BE49-F238E27FC236}">
+                <a16:creationId xmlns:a16="http://schemas.microsoft.com/office/drawing/2014/main" id="{C4ADCB6C-485E-7943-A2E3-F0073602242D}"/>
+              </a:ext>
+            </a:extLst>
+          </p:cNvPr>
+          <p:cNvCxnSpPr>
+            <a:cxnSpLocks/>
+            <a:stCxn id="2" idx="2"/>
+            <a:endCxn id="58" idx="1"/>
+          </p:cNvCxnSpPr>
+          <p:nvPr/>
+        </p:nvCxnSpPr>
+        <p:spPr>
+          <a:xfrm rot="16200000" flipH="1">
+            <a:off x="3690585" y="216850"/>
+            <a:ext cx="1826895" cy="6595654"/>
+          </a:xfrm>
+          <a:prstGeom prst="bentConnector2">
+            <a:avLst/>
+          </a:prstGeom>
+          <a:ln w="28575">
+            <a:tailEnd type="triangle"/>
+          </a:ln>
+        </p:spPr>
+        <p:style>
+          <a:lnRef idx="1">
+            <a:schemeClr val="accent1"/>
+          </a:lnRef>
+          <a:fillRef idx="0">
+            <a:schemeClr val="accent1"/>
+          </a:fillRef>
+          <a:effectRef idx="0">
+            <a:schemeClr val="accent1"/>
+          </a:effectRef>
+          <a:fontRef idx="minor">
+            <a:schemeClr val="tx1"/>
+          </a:fontRef>
+        </p:style>
+      </p:cxnSp>
+      <p:sp>
+        <p:nvSpPr>
+          <p:cNvPr id="108" name="テキスト ボックス 107">
+            <a:extLst>
+              <a:ext uri="{FF2B5EF4-FFF2-40B4-BE49-F238E27FC236}">
+                <a16:creationId xmlns:a16="http://schemas.microsoft.com/office/drawing/2014/main" id="{87D96331-DB34-A041-9100-CCF6FE0C9C95}"/>
+              </a:ext>
+            </a:extLst>
+          </p:cNvPr>
+          <p:cNvSpPr txBox="1"/>
+          <p:nvPr/>
+        </p:nvSpPr>
+        <p:spPr>
+          <a:xfrm>
+            <a:off x="0" y="9372"/>
+            <a:ext cx="2392001" cy="369332"/>
+          </a:xfrm>
+          <a:prstGeom prst="rect">
+            <a:avLst/>
+          </a:prstGeom>
+          <a:solidFill>
+            <a:schemeClr val="bg1"/>
+          </a:solidFill>
+        </p:spPr>
+        <p:txBody>
+          <a:bodyPr wrap="none" rtlCol="0">
+            <a:spAutoFit/>
+          </a:bodyPr>
+          <a:lstStyle/>
+          <a:p>
+            <a:r>
+              <a:rPr kumimoji="1" lang="en-US" altLang="ja-JP" dirty="0"/>
+              <a:t>【</a:t>
+            </a:r>
+            <a:r>
+              <a:rPr kumimoji="1" lang="ja-JP" altLang="en-US"/>
+              <a:t>機能（整理</a:t>
+            </a:r>
+            <a:r>
+              <a:rPr kumimoji="1" lang="en-US" altLang="ja-JP" dirty="0"/>
+              <a:t>Ver</a:t>
+            </a:r>
+            <a:r>
+              <a:rPr kumimoji="1" lang="ja-JP" altLang="en-US"/>
+              <a:t>）</a:t>
+            </a:r>
+            <a:r>
+              <a:rPr kumimoji="1" lang="en-US" altLang="ja-JP" dirty="0"/>
+              <a:t>】</a:t>
+            </a:r>
+            <a:endParaRPr kumimoji="1" lang="ja-JP" altLang="en-US"/>
+          </a:p>
+        </p:txBody>
+      </p:sp>
+      <p:sp>
+        <p:nvSpPr>
+          <p:cNvPr id="111" name="線吹き出し 1 (枠付き) 110">
+            <a:extLst>
+              <a:ext uri="{FF2B5EF4-FFF2-40B4-BE49-F238E27FC236}">
+                <a16:creationId xmlns:a16="http://schemas.microsoft.com/office/drawing/2014/main" id="{A42ACD2D-9CB1-7842-A2AF-51EF5279B5BC}"/>
+              </a:ext>
+            </a:extLst>
+          </p:cNvPr>
+          <p:cNvSpPr/>
+          <p:nvPr/>
+        </p:nvSpPr>
+        <p:spPr>
+          <a:xfrm>
+            <a:off x="1627475" y="3950378"/>
+            <a:ext cx="1640274" cy="420160"/>
+          </a:xfrm>
+          <a:prstGeom prst="borderCallout1">
+            <a:avLst>
+              <a:gd name="adj1" fmla="val 18750"/>
+              <a:gd name="adj2" fmla="val -8333"/>
+              <a:gd name="adj3" fmla="val 111129"/>
+              <a:gd name="adj4" fmla="val -18161"/>
+            </a:avLst>
+          </a:prstGeom>
+          <a:noFill/>
+          <a:ln>
+            <a:solidFill>
+              <a:schemeClr val="bg1">
+                <a:lumMod val="85000"/>
+              </a:schemeClr>
+            </a:solidFill>
+          </a:ln>
+        </p:spPr>
+        <p:style>
+          <a:lnRef idx="2">
+            <a:schemeClr val="accent1">
+              <a:shade val="50000"/>
+            </a:schemeClr>
+          </a:lnRef>
+          <a:fillRef idx="1">
+            <a:schemeClr val="accent1"/>
+          </a:fillRef>
+          <a:effectRef idx="0">
+            <a:schemeClr val="accent1"/>
+          </a:effectRef>
+          <a:fontRef idx="minor">
+            <a:schemeClr val="lt1"/>
+          </a:fontRef>
+        </p:style>
+        <p:txBody>
+          <a:bodyPr rtlCol="0" anchor="ctr"/>
+          <a:lstStyle/>
+          <a:p>
+            <a:r>
+              <a:rPr lang="ja-JP" altLang="en-US" sz="1000">
+                <a:solidFill>
+                  <a:schemeClr val="tx1"/>
+                </a:solidFill>
+              </a:rPr>
+              <a:t>入力されたお題が日本語文として適切か判定</a:t>
+            </a:r>
+          </a:p>
+        </p:txBody>
+      </p:sp>
+      <p:sp>
+        <p:nvSpPr>
+          <p:cNvPr id="112" name="線吹き出し 1 (枠付き) 111">
+            <a:extLst>
+              <a:ext uri="{FF2B5EF4-FFF2-40B4-BE49-F238E27FC236}">
+                <a16:creationId xmlns:a16="http://schemas.microsoft.com/office/drawing/2014/main" id="{42CF667B-B508-7C42-97B5-DBA5FAE0FD0D}"/>
+              </a:ext>
+            </a:extLst>
+          </p:cNvPr>
+          <p:cNvSpPr/>
+          <p:nvPr/>
+        </p:nvSpPr>
+        <p:spPr>
+          <a:xfrm>
+            <a:off x="10416478" y="3017147"/>
+            <a:ext cx="1775521" cy="420160"/>
+          </a:xfrm>
+          <a:prstGeom prst="borderCallout1">
+            <a:avLst>
+              <a:gd name="adj1" fmla="val 18750"/>
+              <a:gd name="adj2" fmla="val -8333"/>
+              <a:gd name="adj3" fmla="val 111129"/>
+              <a:gd name="adj4" fmla="val -18161"/>
+            </a:avLst>
+          </a:prstGeom>
+          <a:noFill/>
+          <a:ln>
+            <a:solidFill>
+              <a:schemeClr val="bg1">
+                <a:lumMod val="85000"/>
+              </a:schemeClr>
+            </a:solidFill>
+          </a:ln>
+        </p:spPr>
+        <p:style>
+          <a:lnRef idx="2">
+            <a:schemeClr val="accent1">
+              <a:shade val="50000"/>
+            </a:schemeClr>
+          </a:lnRef>
+          <a:fillRef idx="1">
+            <a:schemeClr val="accent1"/>
+          </a:fillRef>
+          <a:effectRef idx="0">
+            <a:schemeClr val="accent1"/>
+          </a:effectRef>
+          <a:fontRef idx="minor">
+            <a:schemeClr val="lt1"/>
+          </a:fontRef>
+        </p:style>
+        <p:txBody>
+          <a:bodyPr rtlCol="0" anchor="ctr"/>
+          <a:lstStyle/>
+          <a:p>
+            <a:r>
+              <a:rPr lang="ja-JP" altLang="en-US" sz="1000">
+                <a:solidFill>
+                  <a:schemeClr val="tx1"/>
+                </a:solidFill>
+              </a:rPr>
+              <a:t>テキスト化された内容が</a:t>
+            </a:r>
+            <a:endParaRPr lang="en-US" altLang="ja-JP" sz="1000" dirty="0">
+              <a:solidFill>
+                <a:schemeClr val="tx1"/>
+              </a:solidFill>
+            </a:endParaRPr>
+          </a:p>
+          <a:p>
+            <a:r>
+              <a:rPr lang="ja-JP" altLang="en-US" sz="1000">
+                <a:solidFill>
+                  <a:schemeClr val="tx1"/>
+                </a:solidFill>
+              </a:rPr>
+              <a:t>日本語文として適切か判定</a:t>
+            </a:r>
+          </a:p>
+        </p:txBody>
+      </p:sp>
+      <p:sp>
+        <p:nvSpPr>
+          <p:cNvPr id="113" name="線吹き出し 1 (枠付き) 112">
+            <a:extLst>
+              <a:ext uri="{FF2B5EF4-FFF2-40B4-BE49-F238E27FC236}">
+                <a16:creationId xmlns:a16="http://schemas.microsoft.com/office/drawing/2014/main" id="{192B77C9-3F57-DA47-B504-0DE1E7E675E5}"/>
+              </a:ext>
+            </a:extLst>
+          </p:cNvPr>
+          <p:cNvSpPr/>
+          <p:nvPr/>
+        </p:nvSpPr>
+        <p:spPr>
+          <a:xfrm>
+            <a:off x="2750108" y="2790336"/>
+            <a:ext cx="1923980" cy="975376"/>
+          </a:xfrm>
+          <a:prstGeom prst="borderCallout1">
+            <a:avLst>
+              <a:gd name="adj1" fmla="val 115711"/>
+              <a:gd name="adj2" fmla="val 126277"/>
+              <a:gd name="adj3" fmla="val 54845"/>
+              <a:gd name="adj4" fmla="val 100850"/>
+            </a:avLst>
+          </a:prstGeom>
+          <a:noFill/>
+          <a:ln>
+            <a:solidFill>
+              <a:schemeClr val="bg1">
+                <a:lumMod val="85000"/>
+              </a:schemeClr>
+            </a:solidFill>
+          </a:ln>
+        </p:spPr>
+        <p:style>
+          <a:lnRef idx="2">
+            <a:schemeClr val="accent1">
+              <a:shade val="50000"/>
+            </a:schemeClr>
+          </a:lnRef>
+          <a:fillRef idx="1">
+            <a:schemeClr val="accent1"/>
+          </a:fillRef>
+          <a:effectRef idx="0">
+            <a:schemeClr val="accent1"/>
+          </a:effectRef>
+          <a:fontRef idx="minor">
+            <a:schemeClr val="lt1"/>
+          </a:fontRef>
+        </p:style>
+        <p:txBody>
+          <a:bodyPr rtlCol="0" anchor="ctr"/>
+          <a:lstStyle/>
+          <a:p>
+            <a:r>
+              <a:rPr lang="en-US" altLang="ja-JP" sz="1000" dirty="0">
+                <a:solidFill>
+                  <a:schemeClr val="tx1"/>
+                </a:solidFill>
+              </a:rPr>
+              <a:t>※</a:t>
+            </a:r>
+            <a:r>
+              <a:rPr lang="ja-JP" altLang="en-US" sz="1000">
+                <a:solidFill>
+                  <a:schemeClr val="tx1"/>
+                </a:solidFill>
+              </a:rPr>
+              <a:t>音声入力を受け付けたことを通知する機能。</a:t>
+            </a:r>
+            <a:endParaRPr lang="en-US" altLang="ja-JP" sz="1000" dirty="0">
+              <a:solidFill>
+                <a:schemeClr val="tx1"/>
+              </a:solidFill>
+            </a:endParaRPr>
+          </a:p>
+          <a:p>
+            <a:r>
+              <a:rPr lang="ja-JP" altLang="en-US" sz="1000">
+                <a:solidFill>
+                  <a:schemeClr val="tx1"/>
+                </a:solidFill>
+              </a:rPr>
+              <a:t>故障検知と適切に音声入力をできるようにすることが目的</a:t>
+            </a:r>
+            <a:endParaRPr lang="en-US" altLang="ja-JP" sz="1000" dirty="0">
+              <a:solidFill>
+                <a:schemeClr val="tx1"/>
+              </a:solidFill>
+            </a:endParaRPr>
+          </a:p>
+          <a:p>
+            <a:r>
+              <a:rPr lang="ja-JP" altLang="en-US" sz="1000">
+                <a:solidFill>
+                  <a:schemeClr val="tx1"/>
+                </a:solidFill>
+              </a:rPr>
+              <a:t>短い音声、</a:t>
+            </a:r>
+            <a:r>
+              <a:rPr lang="en-US" altLang="ja-JP" sz="1000" dirty="0">
+                <a:solidFill>
+                  <a:schemeClr val="tx1"/>
+                </a:solidFill>
+              </a:rPr>
+              <a:t>PC</a:t>
+            </a:r>
+            <a:r>
+              <a:rPr lang="ja-JP" altLang="en-US" sz="1000">
+                <a:solidFill>
+                  <a:schemeClr val="tx1"/>
+                </a:solidFill>
+              </a:rPr>
+              <a:t>画面からの指示、短い振動、ランプなどの案</a:t>
+            </a:r>
+            <a:endParaRPr lang="en-US" altLang="ja-JP" sz="1000" dirty="0">
+              <a:solidFill>
+                <a:schemeClr val="tx1"/>
+              </a:solidFill>
+            </a:endParaRPr>
+          </a:p>
+        </p:txBody>
+      </p:sp>
+      <p:cxnSp>
+        <p:nvCxnSpPr>
+          <p:cNvPr id="114" name="カギ線コネクタ 113">
+            <a:extLst>
+              <a:ext uri="{FF2B5EF4-FFF2-40B4-BE49-F238E27FC236}">
+                <a16:creationId xmlns:a16="http://schemas.microsoft.com/office/drawing/2014/main" id="{8C4D0522-F01A-B14A-97C6-1E92C6320238}"/>
+              </a:ext>
+            </a:extLst>
+          </p:cNvPr>
+          <p:cNvCxnSpPr>
+            <a:cxnSpLocks/>
+            <a:stCxn id="8" idx="3"/>
+            <a:endCxn id="54" idx="1"/>
+          </p:cNvCxnSpPr>
+          <p:nvPr/>
+        </p:nvCxnSpPr>
+        <p:spPr>
+          <a:xfrm>
+            <a:off x="4427147" y="1786521"/>
+            <a:ext cx="3445634" cy="1368055"/>
+          </a:xfrm>
+          <a:prstGeom prst="bentConnector3">
+            <a:avLst>
+              <a:gd name="adj1" fmla="val 75165"/>
+            </a:avLst>
+          </a:prstGeom>
+          <a:ln w="28575">
+            <a:solidFill>
+              <a:schemeClr val="accent1">
+                <a:lumMod val="20000"/>
+                <a:lumOff val="80000"/>
+              </a:schemeClr>
+            </a:solidFill>
+            <a:tailEnd type="triangle"/>
+          </a:ln>
+        </p:spPr>
+        <p:style>
+          <a:lnRef idx="1">
+            <a:schemeClr val="accent1"/>
+          </a:lnRef>
+          <a:fillRef idx="0">
+            <a:schemeClr val="accent1"/>
+          </a:fillRef>
+          <a:effectRef idx="0">
+            <a:schemeClr val="accent1"/>
+          </a:effectRef>
+          <a:fontRef idx="minor">
+            <a:schemeClr val="tx1"/>
+          </a:fontRef>
+        </p:style>
+      </p:cxnSp>
+    </p:spTree>
+    <p:extLst>
+      <p:ext uri="{BB962C8B-B14F-4D97-AF65-F5344CB8AC3E}">
+        <p14:creationId xmlns:p14="http://schemas.microsoft.com/office/powerpoint/2010/main" val="233242086"/>
+      </p:ext>
+    </p:extLst>
+  </p:cSld>
+  <p:clrMapOvr>
+    <a:masterClrMapping/>
+  </p:clrMapOvr>
+</p:sld>
+</file>
+
+<file path=ppt/slides/slide2.xml><?xml version="1.0" encoding="utf-8"?>
+<p:sld xmlns:a="http://schemas.openxmlformats.org/drawingml/2006/main" xmlns:r="http://schemas.openxmlformats.org/officeDocument/2006/relationships" xmlns:p="http://schemas.openxmlformats.org/presentationml/2006/main">
+  <p:cSld>
+    <p:spTree>
+      <p:nvGrpSpPr>
+        <p:cNvPr id="1" name=""/>
+        <p:cNvGrpSpPr/>
+        <p:nvPr/>
+      </p:nvGrpSpPr>
+      <p:grpSpPr>
+        <a:xfrm>
+          <a:off x="0" y="0"/>
+          <a:ext cx="0" cy="0"/>
+          <a:chOff x="0" y="0"/>
+          <a:chExt cx="0" cy="0"/>
+        </a:xfrm>
+      </p:grpSpPr>
+      <p:sp>
+        <p:nvSpPr>
           <p:cNvPr id="20" name="正方形/長方形 19">
             <a:extLst>
               <a:ext uri="{FF2B5EF4-FFF2-40B4-BE49-F238E27FC236}">
@@ -6498,7 +9377,7 @@
         </p:nvSpPr>
         <p:spPr>
           <a:xfrm>
-            <a:off x="4087876" y="5838922"/>
+            <a:off x="4166266" y="6403327"/>
             <a:ext cx="5532038" cy="1015663"/>
           </a:xfrm>
           <a:prstGeom prst="rect">
@@ -6613,7 +9492,7 @@
 </p:sld>
 </file>
 
-<file path=ppt/slides/slide2.xml><?xml version="1.0" encoding="utf-8"?>
+<file path=ppt/slides/slide3.xml><?xml version="1.0" encoding="utf-8"?>
 <p:sld xmlns:a="http://schemas.openxmlformats.org/drawingml/2006/main" xmlns:r="http://schemas.openxmlformats.org/officeDocument/2006/relationships" xmlns:p="http://schemas.openxmlformats.org/presentationml/2006/main">
   <p:cSld>
     <p:spTree>
